--- a/Training_Module.pptx
+++ b/Training_Module.pptx
@@ -13,13 +13,14 @@
     <p:sldId id="260" r:id="rId7"/>
     <p:sldId id="261" r:id="rId8"/>
     <p:sldId id="263" r:id="rId9"/>
-    <p:sldId id="264" r:id="rId10"/>
-    <p:sldId id="265" r:id="rId11"/>
-    <p:sldId id="266" r:id="rId12"/>
-    <p:sldId id="267" r:id="rId13"/>
-    <p:sldId id="268" r:id="rId14"/>
-    <p:sldId id="269" r:id="rId15"/>
-    <p:sldId id="262" r:id="rId16"/>
+    <p:sldId id="273" r:id="rId10"/>
+    <p:sldId id="264" r:id="rId11"/>
+    <p:sldId id="265" r:id="rId12"/>
+    <p:sldId id="266" r:id="rId13"/>
+    <p:sldId id="267" r:id="rId14"/>
+    <p:sldId id="268" r:id="rId15"/>
+    <p:sldId id="269" r:id="rId16"/>
+    <p:sldId id="262" r:id="rId17"/>
   </p:sldIdLst>
   <p:sldSz cx="9144000" cy="6858000" type="screen4x3"/>
   <p:notesSz cx="6858000" cy="9144000"/>
@@ -118,7 +119,235 @@
       </a:defRPr>
     </a:lvl9pPr>
   </p:defaultTextStyle>
+  <p:extLst>
+    <p:ext uri="{EFAFB233-063F-42B5-8137-9DF3F51BA10A}">
+      <p15:sldGuideLst xmlns:p15="http://schemas.microsoft.com/office/powerpoint/2012/main">
+        <p15:guide id="1" orient="horz" pos="2160">
+          <p15:clr>
+            <a:srgbClr val="A4A3A4"/>
+          </p15:clr>
+        </p15:guide>
+        <p15:guide id="2" pos="2880">
+          <p15:clr>
+            <a:srgbClr val="A4A3A4"/>
+          </p15:clr>
+        </p15:guide>
+      </p15:sldGuideLst>
+    </p:ext>
+  </p:extLst>
 </p:presentation>
+</file>
+
+<file path=ppt/changesInfos/changesInfo1.xml><?xml version="1.0" encoding="utf-8"?>
+<pc:chgInfo xmlns:a="http://schemas.openxmlformats.org/drawingml/2006/main" xmlns:r="http://schemas.openxmlformats.org/officeDocument/2006/relationships" xmlns:ac="http://schemas.microsoft.com/office/drawing/2013/main/command" xmlns:pc="http://schemas.microsoft.com/office/powerpoint/2013/main/command">
+  <pc:docChgLst>
+    <pc:chgData name="Bruce Abshire" userId="2811bbbfb6f2717e" providerId="LiveId" clId="{778B6909-FFEA-4B39-951C-296FCBD3AB45}"/>
+    <pc:docChg chg="custSel addSld modSld">
+      <pc:chgData name="Bruce Abshire" userId="2811bbbfb6f2717e" providerId="LiveId" clId="{778B6909-FFEA-4B39-951C-296FCBD3AB45}" dt="2020-11-05T12:07:39.807" v="654" actId="1076"/>
+      <pc:docMkLst>
+        <pc:docMk/>
+      </pc:docMkLst>
+      <pc:sldChg chg="modSp mod">
+        <pc:chgData name="Bruce Abshire" userId="2811bbbfb6f2717e" providerId="LiveId" clId="{778B6909-FFEA-4B39-951C-296FCBD3AB45}" dt="2020-11-05T11:28:16.081" v="23" actId="20577"/>
+        <pc:sldMkLst>
+          <pc:docMk/>
+          <pc:sldMk cId="272886627" sldId="256"/>
+        </pc:sldMkLst>
+        <pc:spChg chg="mod">
+          <ac:chgData name="Bruce Abshire" userId="2811bbbfb6f2717e" providerId="LiveId" clId="{778B6909-FFEA-4B39-951C-296FCBD3AB45}" dt="2020-11-05T11:28:16.081" v="23" actId="20577"/>
+          <ac:spMkLst>
+            <pc:docMk/>
+            <pc:sldMk cId="272886627" sldId="256"/>
+            <ac:spMk id="3" creationId="{00000000-0000-0000-0000-000000000000}"/>
+          </ac:spMkLst>
+        </pc:spChg>
+      </pc:sldChg>
+      <pc:sldChg chg="modSp mod">
+        <pc:chgData name="Bruce Abshire" userId="2811bbbfb6f2717e" providerId="LiveId" clId="{778B6909-FFEA-4B39-951C-296FCBD3AB45}" dt="2020-11-05T11:33:41.048" v="51" actId="20577"/>
+        <pc:sldMkLst>
+          <pc:docMk/>
+          <pc:sldMk cId="844687988" sldId="261"/>
+        </pc:sldMkLst>
+        <pc:spChg chg="mod">
+          <ac:chgData name="Bruce Abshire" userId="2811bbbfb6f2717e" providerId="LiveId" clId="{778B6909-FFEA-4B39-951C-296FCBD3AB45}" dt="2020-11-05T11:33:41.048" v="51" actId="20577"/>
+          <ac:spMkLst>
+            <pc:docMk/>
+            <pc:sldMk cId="844687988" sldId="261"/>
+            <ac:spMk id="2" creationId="{00000000-0000-0000-0000-000000000000}"/>
+          </ac:spMkLst>
+        </pc:spChg>
+      </pc:sldChg>
+      <pc:sldChg chg="modSp mod">
+        <pc:chgData name="Bruce Abshire" userId="2811bbbfb6f2717e" providerId="LiveId" clId="{778B6909-FFEA-4B39-951C-296FCBD3AB45}" dt="2020-11-05T11:34:40.907" v="128" actId="20577"/>
+        <pc:sldMkLst>
+          <pc:docMk/>
+          <pc:sldMk cId="546886890" sldId="263"/>
+        </pc:sldMkLst>
+        <pc:spChg chg="mod">
+          <ac:chgData name="Bruce Abshire" userId="2811bbbfb6f2717e" providerId="LiveId" clId="{778B6909-FFEA-4B39-951C-296FCBD3AB45}" dt="2020-11-05T11:33:31.932" v="36" actId="20577"/>
+          <ac:spMkLst>
+            <pc:docMk/>
+            <pc:sldMk cId="546886890" sldId="263"/>
+            <ac:spMk id="2" creationId="{00000000-0000-0000-0000-000000000000}"/>
+          </ac:spMkLst>
+        </pc:spChg>
+        <pc:spChg chg="mod">
+          <ac:chgData name="Bruce Abshire" userId="2811bbbfb6f2717e" providerId="LiveId" clId="{778B6909-FFEA-4B39-951C-296FCBD3AB45}" dt="2020-11-05T11:34:40.907" v="128" actId="20577"/>
+          <ac:spMkLst>
+            <pc:docMk/>
+            <pc:sldMk cId="546886890" sldId="263"/>
+            <ac:spMk id="3" creationId="{00000000-0000-0000-0000-000000000000}"/>
+          </ac:spMkLst>
+        </pc:spChg>
+      </pc:sldChg>
+      <pc:sldChg chg="modSp mod">
+        <pc:chgData name="Bruce Abshire" userId="2811bbbfb6f2717e" providerId="LiveId" clId="{778B6909-FFEA-4B39-951C-296FCBD3AB45}" dt="2020-11-05T12:03:42.694" v="360" actId="14100"/>
+        <pc:sldMkLst>
+          <pc:docMk/>
+          <pc:sldMk cId="3469851452" sldId="264"/>
+        </pc:sldMkLst>
+        <pc:spChg chg="mod">
+          <ac:chgData name="Bruce Abshire" userId="2811bbbfb6f2717e" providerId="LiveId" clId="{778B6909-FFEA-4B39-951C-296FCBD3AB45}" dt="2020-11-05T12:03:42.694" v="360" actId="14100"/>
+          <ac:spMkLst>
+            <pc:docMk/>
+            <pc:sldMk cId="3469851452" sldId="264"/>
+            <ac:spMk id="2" creationId="{00000000-0000-0000-0000-000000000000}"/>
+          </ac:spMkLst>
+        </pc:spChg>
+      </pc:sldChg>
+      <pc:sldChg chg="modSp mod">
+        <pc:chgData name="Bruce Abshire" userId="2811bbbfb6f2717e" providerId="LiveId" clId="{778B6909-FFEA-4B39-951C-296FCBD3AB45}" dt="2020-11-05T11:35:52.413" v="160" actId="20577"/>
+        <pc:sldMkLst>
+          <pc:docMk/>
+          <pc:sldMk cId="2040592038" sldId="265"/>
+        </pc:sldMkLst>
+        <pc:spChg chg="mod">
+          <ac:chgData name="Bruce Abshire" userId="2811bbbfb6f2717e" providerId="LiveId" clId="{778B6909-FFEA-4B39-951C-296FCBD3AB45}" dt="2020-11-05T11:35:52.413" v="160" actId="20577"/>
+          <ac:spMkLst>
+            <pc:docMk/>
+            <pc:sldMk cId="2040592038" sldId="265"/>
+            <ac:spMk id="2" creationId="{00000000-0000-0000-0000-000000000000}"/>
+          </ac:spMkLst>
+        </pc:spChg>
+      </pc:sldChg>
+      <pc:sldChg chg="modSp mod">
+        <pc:chgData name="Bruce Abshire" userId="2811bbbfb6f2717e" providerId="LiveId" clId="{778B6909-FFEA-4B39-951C-296FCBD3AB45}" dt="2020-11-05T11:36:50.080" v="226" actId="20577"/>
+        <pc:sldMkLst>
+          <pc:docMk/>
+          <pc:sldMk cId="1387805886" sldId="266"/>
+        </pc:sldMkLst>
+        <pc:spChg chg="mod">
+          <ac:chgData name="Bruce Abshire" userId="2811bbbfb6f2717e" providerId="LiveId" clId="{778B6909-FFEA-4B39-951C-296FCBD3AB45}" dt="2020-11-05T11:36:50.080" v="226" actId="20577"/>
+          <ac:spMkLst>
+            <pc:docMk/>
+            <pc:sldMk cId="1387805886" sldId="266"/>
+            <ac:spMk id="2" creationId="{00000000-0000-0000-0000-000000000000}"/>
+          </ac:spMkLst>
+        </pc:spChg>
+      </pc:sldChg>
+      <pc:sldChg chg="modSp mod">
+        <pc:chgData name="Bruce Abshire" userId="2811bbbfb6f2717e" providerId="LiveId" clId="{778B6909-FFEA-4B39-951C-296FCBD3AB45}" dt="2020-11-05T11:40:15.410" v="254" actId="20577"/>
+        <pc:sldMkLst>
+          <pc:docMk/>
+          <pc:sldMk cId="1131401724" sldId="267"/>
+        </pc:sldMkLst>
+        <pc:spChg chg="mod">
+          <ac:chgData name="Bruce Abshire" userId="2811bbbfb6f2717e" providerId="LiveId" clId="{778B6909-FFEA-4B39-951C-296FCBD3AB45}" dt="2020-11-05T11:40:15.410" v="254" actId="20577"/>
+          <ac:spMkLst>
+            <pc:docMk/>
+            <pc:sldMk cId="1131401724" sldId="267"/>
+            <ac:spMk id="2" creationId="{00000000-0000-0000-0000-000000000000}"/>
+          </ac:spMkLst>
+        </pc:spChg>
+      </pc:sldChg>
+      <pc:sldChg chg="addSp modSp mod">
+        <pc:chgData name="Bruce Abshire" userId="2811bbbfb6f2717e" providerId="LiveId" clId="{778B6909-FFEA-4B39-951C-296FCBD3AB45}" dt="2020-11-05T11:41:07.309" v="308" actId="1076"/>
+        <pc:sldMkLst>
+          <pc:docMk/>
+          <pc:sldMk cId="2165085686" sldId="268"/>
+        </pc:sldMkLst>
+        <pc:spChg chg="mod">
+          <ac:chgData name="Bruce Abshire" userId="2811bbbfb6f2717e" providerId="LiveId" clId="{778B6909-FFEA-4B39-951C-296FCBD3AB45}" dt="2020-11-05T11:40:36.830" v="280" actId="20577"/>
+          <ac:spMkLst>
+            <pc:docMk/>
+            <pc:sldMk cId="2165085686" sldId="268"/>
+            <ac:spMk id="2" creationId="{00000000-0000-0000-0000-000000000000}"/>
+          </ac:spMkLst>
+        </pc:spChg>
+        <pc:spChg chg="add mod">
+          <ac:chgData name="Bruce Abshire" userId="2811bbbfb6f2717e" providerId="LiveId" clId="{778B6909-FFEA-4B39-951C-296FCBD3AB45}" dt="2020-11-05T11:41:07.309" v="308" actId="1076"/>
+          <ac:spMkLst>
+            <pc:docMk/>
+            <pc:sldMk cId="2165085686" sldId="268"/>
+            <ac:spMk id="4" creationId="{990A4E50-F0A5-4C3C-889D-DA857998A355}"/>
+          </ac:spMkLst>
+        </pc:spChg>
+      </pc:sldChg>
+      <pc:sldChg chg="modSp mod">
+        <pc:chgData name="Bruce Abshire" userId="2811bbbfb6f2717e" providerId="LiveId" clId="{778B6909-FFEA-4B39-951C-296FCBD3AB45}" dt="2020-11-05T11:41:41.335" v="331" actId="20577"/>
+        <pc:sldMkLst>
+          <pc:docMk/>
+          <pc:sldMk cId="327127332" sldId="269"/>
+        </pc:sldMkLst>
+        <pc:spChg chg="mod">
+          <ac:chgData name="Bruce Abshire" userId="2811bbbfb6f2717e" providerId="LiveId" clId="{778B6909-FFEA-4B39-951C-296FCBD3AB45}" dt="2020-11-05T11:41:41.335" v="331" actId="20577"/>
+          <ac:spMkLst>
+            <pc:docMk/>
+            <pc:sldMk cId="327127332" sldId="269"/>
+            <ac:spMk id="2" creationId="{00000000-0000-0000-0000-000000000000}"/>
+          </ac:spMkLst>
+        </pc:spChg>
+      </pc:sldChg>
+      <pc:sldChg chg="addSp delSp modSp new mod">
+        <pc:chgData name="Bruce Abshire" userId="2811bbbfb6f2717e" providerId="LiveId" clId="{778B6909-FFEA-4B39-951C-296FCBD3AB45}" dt="2020-11-05T12:07:39.807" v="654" actId="1076"/>
+        <pc:sldMkLst>
+          <pc:docMk/>
+          <pc:sldMk cId="717957873" sldId="273"/>
+        </pc:sldMkLst>
+        <pc:spChg chg="del">
+          <ac:chgData name="Bruce Abshire" userId="2811bbbfb6f2717e" providerId="LiveId" clId="{778B6909-FFEA-4B39-951C-296FCBD3AB45}" dt="2020-11-05T12:05:05.785" v="377" actId="478"/>
+          <ac:spMkLst>
+            <pc:docMk/>
+            <pc:sldMk cId="717957873" sldId="273"/>
+            <ac:spMk id="2" creationId="{7B4738AD-C4A2-4A03-BF37-F12469477AF3}"/>
+          </ac:spMkLst>
+        </pc:spChg>
+        <pc:spChg chg="del">
+          <ac:chgData name="Bruce Abshire" userId="2811bbbfb6f2717e" providerId="LiveId" clId="{778B6909-FFEA-4B39-951C-296FCBD3AB45}" dt="2020-11-05T12:05:07.403" v="378" actId="478"/>
+          <ac:spMkLst>
+            <pc:docMk/>
+            <pc:sldMk cId="717957873" sldId="273"/>
+            <ac:spMk id="3" creationId="{0D261B46-2342-4C31-A9D7-63967E23581C}"/>
+          </ac:spMkLst>
+        </pc:spChg>
+        <pc:spChg chg="add mod">
+          <ac:chgData name="Bruce Abshire" userId="2811bbbfb6f2717e" providerId="LiveId" clId="{778B6909-FFEA-4B39-951C-296FCBD3AB45}" dt="2020-11-05T12:04:04.452" v="374" actId="20577"/>
+          <ac:spMkLst>
+            <pc:docMk/>
+            <pc:sldMk cId="717957873" sldId="273"/>
+            <ac:spMk id="4" creationId="{76E8F564-C229-4FA0-A47F-9C08FD2C815A}"/>
+          </ac:spMkLst>
+        </pc:spChg>
+        <pc:spChg chg="add mod">
+          <ac:chgData name="Bruce Abshire" userId="2811bbbfb6f2717e" providerId="LiveId" clId="{778B6909-FFEA-4B39-951C-296FCBD3AB45}" dt="2020-11-05T12:07:37.027" v="653" actId="1076"/>
+          <ac:spMkLst>
+            <pc:docMk/>
+            <pc:sldMk cId="717957873" sldId="273"/>
+            <ac:spMk id="6" creationId="{66E45623-4E36-4F8A-8981-B095B264BC9B}"/>
+          </ac:spMkLst>
+        </pc:spChg>
+        <pc:picChg chg="add mod">
+          <ac:chgData name="Bruce Abshire" userId="2811bbbfb6f2717e" providerId="LiveId" clId="{778B6909-FFEA-4B39-951C-296FCBD3AB45}" dt="2020-11-05T12:07:39.807" v="654" actId="1076"/>
+          <ac:picMkLst>
+            <pc:docMk/>
+            <pc:sldMk cId="717957873" sldId="273"/>
+            <ac:picMk id="5" creationId="{3F05E920-93C0-48D1-A8BC-6CAE103FA0E1}"/>
+          </ac:picMkLst>
+        </pc:picChg>
+      </pc:sldChg>
+    </pc:docChg>
+  </pc:docChgLst>
+</pc:chgInfo>
 </file>
 
 <file path=ppt/slideLayouts/slideLayout1.xml><?xml version="1.0" encoding="utf-8"?>
@@ -417,10 +646,9 @@
           </a:lstStyle>
           <a:p>
             <a:r>
-              <a:rPr kumimoji="0" lang="en-US" smtClean="0"/>
+              <a:rPr kumimoji="0" lang="en-US"/>
               <a:t>Click to edit Master title style</a:t>
             </a:r>
-            <a:endParaRPr kumimoji="0" lang="en-US"/>
           </a:p>
         </p:txBody>
       </p:sp>
@@ -481,10 +709,9 @@
           </a:lstStyle>
           <a:p>
             <a:r>
-              <a:rPr kumimoji="0" lang="en-US" smtClean="0"/>
+              <a:rPr kumimoji="0" lang="en-US"/>
               <a:t>Click to edit Master subtitle style</a:t>
             </a:r>
-            <a:endParaRPr kumimoji="0" lang="en-US"/>
           </a:p>
         </p:txBody>
       </p:sp>
@@ -505,7 +732,7 @@
           <a:p>
             <a:fld id="{B4E4FDD0-7A9E-476E-9DE6-78DAFAC4BE99}" type="datetimeFigureOut">
               <a:rPr lang="en-US" smtClean="0"/>
-              <a:t>11/4/2020</a:t>
+              <a:t>11/5/2020</a:t>
             </a:fld>
             <a:endParaRPr lang="en-US"/>
           </a:p>
@@ -594,10 +821,9 @@
           <a:lstStyle/>
           <a:p>
             <a:r>
-              <a:rPr kumimoji="0" lang="en-US" smtClean="0"/>
+              <a:rPr kumimoji="0" lang="en-US"/>
               <a:t>Click to edit Master title style</a:t>
             </a:r>
-            <a:endParaRPr kumimoji="0" lang="en-US"/>
           </a:p>
         </p:txBody>
       </p:sp>
@@ -618,35 +844,35 @@
           <a:p>
             <a:pPr lvl="0" eaLnBrk="1" latinLnBrk="0" hangingPunct="1"/>
             <a:r>
-              <a:rPr lang="en-US" smtClean="0"/>
+              <a:rPr lang="en-US"/>
               <a:t>Click to edit Master text styles</a:t>
             </a:r>
           </a:p>
           <a:p>
             <a:pPr lvl="1" eaLnBrk="1" latinLnBrk="0" hangingPunct="1"/>
             <a:r>
-              <a:rPr lang="en-US" smtClean="0"/>
+              <a:rPr lang="en-US"/>
               <a:t>Second level</a:t>
             </a:r>
           </a:p>
           <a:p>
             <a:pPr lvl="2" eaLnBrk="1" latinLnBrk="0" hangingPunct="1"/>
             <a:r>
-              <a:rPr lang="en-US" smtClean="0"/>
+              <a:rPr lang="en-US"/>
               <a:t>Third level</a:t>
             </a:r>
           </a:p>
           <a:p>
             <a:pPr lvl="3" eaLnBrk="1" latinLnBrk="0" hangingPunct="1"/>
             <a:r>
-              <a:rPr lang="en-US" smtClean="0"/>
+              <a:rPr lang="en-US"/>
               <a:t>Fourth level</a:t>
             </a:r>
           </a:p>
           <a:p>
             <a:pPr lvl="4" eaLnBrk="1" latinLnBrk="0" hangingPunct="1"/>
             <a:r>
-              <a:rPr lang="en-US" smtClean="0"/>
+              <a:rPr lang="en-US"/>
               <a:t>Fifth level</a:t>
             </a:r>
             <a:endParaRPr kumimoji="0" lang="en-US"/>
@@ -670,7 +896,7 @@
           <a:p>
             <a:fld id="{B4E4FDD0-7A9E-476E-9DE6-78DAFAC4BE99}" type="datetimeFigureOut">
               <a:rPr lang="en-US" smtClean="0"/>
-              <a:t>11/4/2020</a:t>
+              <a:t>11/5/2020</a:t>
             </a:fld>
             <a:endParaRPr lang="en-US"/>
           </a:p>
@@ -764,10 +990,9 @@
           <a:lstStyle/>
           <a:p>
             <a:r>
-              <a:rPr kumimoji="0" lang="en-US" smtClean="0"/>
+              <a:rPr kumimoji="0" lang="en-US"/>
               <a:t>Click to edit Master title style</a:t>
             </a:r>
-            <a:endParaRPr kumimoji="0" lang="en-US"/>
           </a:p>
         </p:txBody>
       </p:sp>
@@ -793,35 +1018,35 @@
           <a:p>
             <a:pPr lvl="0" eaLnBrk="1" latinLnBrk="0" hangingPunct="1"/>
             <a:r>
-              <a:rPr lang="en-US" smtClean="0"/>
+              <a:rPr lang="en-US"/>
               <a:t>Click to edit Master text styles</a:t>
             </a:r>
           </a:p>
           <a:p>
             <a:pPr lvl="1" eaLnBrk="1" latinLnBrk="0" hangingPunct="1"/>
             <a:r>
-              <a:rPr lang="en-US" smtClean="0"/>
+              <a:rPr lang="en-US"/>
               <a:t>Second level</a:t>
             </a:r>
           </a:p>
           <a:p>
             <a:pPr lvl="2" eaLnBrk="1" latinLnBrk="0" hangingPunct="1"/>
             <a:r>
-              <a:rPr lang="en-US" smtClean="0"/>
+              <a:rPr lang="en-US"/>
               <a:t>Third level</a:t>
             </a:r>
           </a:p>
           <a:p>
             <a:pPr lvl="3" eaLnBrk="1" latinLnBrk="0" hangingPunct="1"/>
             <a:r>
-              <a:rPr lang="en-US" smtClean="0"/>
+              <a:rPr lang="en-US"/>
               <a:t>Fourth level</a:t>
             </a:r>
           </a:p>
           <a:p>
             <a:pPr lvl="4" eaLnBrk="1" latinLnBrk="0" hangingPunct="1"/>
             <a:r>
-              <a:rPr lang="en-US" smtClean="0"/>
+              <a:rPr lang="en-US"/>
               <a:t>Fifth level</a:t>
             </a:r>
             <a:endParaRPr kumimoji="0" lang="en-US"/>
@@ -845,7 +1070,7 @@
           <a:p>
             <a:fld id="{B4E4FDD0-7A9E-476E-9DE6-78DAFAC4BE99}" type="datetimeFigureOut">
               <a:rPr lang="en-US" smtClean="0"/>
-              <a:t>11/4/2020</a:t>
+              <a:t>11/5/2020</a:t>
             </a:fld>
             <a:endParaRPr lang="en-US"/>
           </a:p>
@@ -938,10 +1163,9 @@
           </a:lstStyle>
           <a:p>
             <a:r>
-              <a:rPr kumimoji="0" lang="en-US" smtClean="0"/>
+              <a:rPr kumimoji="0" lang="en-US"/>
               <a:t>Click to edit Master title style</a:t>
             </a:r>
-            <a:endParaRPr kumimoji="0" lang="en-US"/>
           </a:p>
         </p:txBody>
       </p:sp>
@@ -962,35 +1186,35 @@
           <a:p>
             <a:pPr lvl="0" eaLnBrk="1" latinLnBrk="0" hangingPunct="1"/>
             <a:r>
-              <a:rPr lang="en-US" smtClean="0"/>
+              <a:rPr lang="en-US"/>
               <a:t>Click to edit Master text styles</a:t>
             </a:r>
           </a:p>
           <a:p>
             <a:pPr lvl="1" eaLnBrk="1" latinLnBrk="0" hangingPunct="1"/>
             <a:r>
-              <a:rPr lang="en-US" smtClean="0"/>
+              <a:rPr lang="en-US"/>
               <a:t>Second level</a:t>
             </a:r>
           </a:p>
           <a:p>
             <a:pPr lvl="2" eaLnBrk="1" latinLnBrk="0" hangingPunct="1"/>
             <a:r>
-              <a:rPr lang="en-US" smtClean="0"/>
+              <a:rPr lang="en-US"/>
               <a:t>Third level</a:t>
             </a:r>
           </a:p>
           <a:p>
             <a:pPr lvl="3" eaLnBrk="1" latinLnBrk="0" hangingPunct="1"/>
             <a:r>
-              <a:rPr lang="en-US" smtClean="0"/>
+              <a:rPr lang="en-US"/>
               <a:t>Fourth level</a:t>
             </a:r>
           </a:p>
           <a:p>
             <a:pPr lvl="4" eaLnBrk="1" latinLnBrk="0" hangingPunct="1"/>
             <a:r>
-              <a:rPr lang="en-US" smtClean="0"/>
+              <a:rPr lang="en-US"/>
               <a:t>Fifth level</a:t>
             </a:r>
             <a:endParaRPr kumimoji="0" lang="en-US"/>
@@ -1014,7 +1238,7 @@
           <a:p>
             <a:fld id="{B4E4FDD0-7A9E-476E-9DE6-78DAFAC4BE99}" type="datetimeFigureOut">
               <a:rPr lang="en-US" smtClean="0"/>
-              <a:t>11/4/2020</a:t>
+              <a:t>11/5/2020</a:t>
             </a:fld>
             <a:endParaRPr lang="en-US"/>
           </a:p>
@@ -1367,10 +1591,9 @@
           </a:lstStyle>
           <a:p>
             <a:r>
-              <a:rPr kumimoji="0" lang="en-US" smtClean="0"/>
+              <a:rPr kumimoji="0" lang="en-US"/>
               <a:t>Click to edit Master title style</a:t>
             </a:r>
-            <a:endParaRPr kumimoji="0" lang="en-US"/>
           </a:p>
         </p:txBody>
       </p:sp>
@@ -1446,7 +1669,7 @@
           <a:p>
             <a:pPr lvl="0" eaLnBrk="1" latinLnBrk="0" hangingPunct="1"/>
             <a:r>
-              <a:rPr kumimoji="0" lang="en-US" smtClean="0"/>
+              <a:rPr kumimoji="0" lang="en-US"/>
               <a:t>Click to edit Master text styles</a:t>
             </a:r>
           </a:p>
@@ -1469,7 +1692,7 @@
           <a:p>
             <a:fld id="{B4E4FDD0-7A9E-476E-9DE6-78DAFAC4BE99}" type="datetimeFigureOut">
               <a:rPr lang="en-US" smtClean="0"/>
-              <a:t>11/4/2020</a:t>
+              <a:t>11/5/2020</a:t>
             </a:fld>
             <a:endParaRPr lang="en-US"/>
           </a:p>
@@ -1563,10 +1786,9 @@
           <a:lstStyle/>
           <a:p>
             <a:r>
-              <a:rPr kumimoji="0" lang="en-US" smtClean="0"/>
+              <a:rPr kumimoji="0" lang="en-US"/>
               <a:t>Click to edit Master title style</a:t>
             </a:r>
-            <a:endParaRPr kumimoji="0" lang="en-US"/>
           </a:p>
         </p:txBody>
       </p:sp>
@@ -1608,35 +1830,35 @@
           <a:p>
             <a:pPr lvl="0" eaLnBrk="1" latinLnBrk="0" hangingPunct="1"/>
             <a:r>
-              <a:rPr lang="en-US" smtClean="0"/>
+              <a:rPr lang="en-US"/>
               <a:t>Click to edit Master text styles</a:t>
             </a:r>
           </a:p>
           <a:p>
             <a:pPr lvl="1" eaLnBrk="1" latinLnBrk="0" hangingPunct="1"/>
             <a:r>
-              <a:rPr lang="en-US" smtClean="0"/>
+              <a:rPr lang="en-US"/>
               <a:t>Second level</a:t>
             </a:r>
           </a:p>
           <a:p>
             <a:pPr lvl="2" eaLnBrk="1" latinLnBrk="0" hangingPunct="1"/>
             <a:r>
-              <a:rPr lang="en-US" smtClean="0"/>
+              <a:rPr lang="en-US"/>
               <a:t>Third level</a:t>
             </a:r>
           </a:p>
           <a:p>
             <a:pPr lvl="3" eaLnBrk="1" latinLnBrk="0" hangingPunct="1"/>
             <a:r>
-              <a:rPr lang="en-US" smtClean="0"/>
+              <a:rPr lang="en-US"/>
               <a:t>Fourth level</a:t>
             </a:r>
           </a:p>
           <a:p>
             <a:pPr lvl="4" eaLnBrk="1" latinLnBrk="0" hangingPunct="1"/>
             <a:r>
-              <a:rPr lang="en-US" smtClean="0"/>
+              <a:rPr lang="en-US"/>
               <a:t>Fifth level</a:t>
             </a:r>
             <a:endParaRPr kumimoji="0" lang="en-US"/>
@@ -1681,35 +1903,35 @@
           <a:p>
             <a:pPr lvl="0" eaLnBrk="1" latinLnBrk="0" hangingPunct="1"/>
             <a:r>
-              <a:rPr lang="en-US" smtClean="0"/>
+              <a:rPr lang="en-US"/>
               <a:t>Click to edit Master text styles</a:t>
             </a:r>
           </a:p>
           <a:p>
             <a:pPr lvl="1" eaLnBrk="1" latinLnBrk="0" hangingPunct="1"/>
             <a:r>
-              <a:rPr lang="en-US" smtClean="0"/>
+              <a:rPr lang="en-US"/>
               <a:t>Second level</a:t>
             </a:r>
           </a:p>
           <a:p>
             <a:pPr lvl="2" eaLnBrk="1" latinLnBrk="0" hangingPunct="1"/>
             <a:r>
-              <a:rPr lang="en-US" smtClean="0"/>
+              <a:rPr lang="en-US"/>
               <a:t>Third level</a:t>
             </a:r>
           </a:p>
           <a:p>
             <a:pPr lvl="3" eaLnBrk="1" latinLnBrk="0" hangingPunct="1"/>
             <a:r>
-              <a:rPr lang="en-US" smtClean="0"/>
+              <a:rPr lang="en-US"/>
               <a:t>Fourth level</a:t>
             </a:r>
           </a:p>
           <a:p>
             <a:pPr lvl="4" eaLnBrk="1" latinLnBrk="0" hangingPunct="1"/>
             <a:r>
-              <a:rPr lang="en-US" smtClean="0"/>
+              <a:rPr lang="en-US"/>
               <a:t>Fifth level</a:t>
             </a:r>
             <a:endParaRPr kumimoji="0" lang="en-US"/>
@@ -1733,7 +1955,7 @@
           <a:p>
             <a:fld id="{B4E4FDD0-7A9E-476E-9DE6-78DAFAC4BE99}" type="datetimeFigureOut">
               <a:rPr lang="en-US" smtClean="0"/>
-              <a:t>11/4/2020</a:t>
+              <a:t>11/5/2020</a:t>
             </a:fld>
             <a:endParaRPr lang="en-US"/>
           </a:p>
@@ -1831,10 +2053,9 @@
           </a:lstStyle>
           <a:p>
             <a:r>
-              <a:rPr kumimoji="0" lang="en-US" smtClean="0"/>
+              <a:rPr kumimoji="0" lang="en-US"/>
               <a:t>Click to edit Master title style</a:t>
             </a:r>
-            <a:endParaRPr kumimoji="0" lang="en-US"/>
           </a:p>
         </p:txBody>
       </p:sp>
@@ -1885,7 +2106,7 @@
           <a:p>
             <a:pPr lvl="0" eaLnBrk="1" latinLnBrk="0" hangingPunct="1"/>
             <a:r>
-              <a:rPr kumimoji="0" lang="en-US" smtClean="0"/>
+              <a:rPr kumimoji="0" lang="en-US"/>
               <a:t>Click to edit Master text styles</a:t>
             </a:r>
           </a:p>
@@ -1938,7 +2159,7 @@
           <a:p>
             <a:pPr lvl="0" eaLnBrk="1" latinLnBrk="0" hangingPunct="1"/>
             <a:r>
-              <a:rPr kumimoji="0" lang="en-US" smtClean="0"/>
+              <a:rPr kumimoji="0" lang="en-US"/>
               <a:t>Click to edit Master text styles</a:t>
             </a:r>
           </a:p>
@@ -1982,35 +2203,35 @@
           <a:p>
             <a:pPr lvl="0" eaLnBrk="1" latinLnBrk="0" hangingPunct="1"/>
             <a:r>
-              <a:rPr lang="en-US" smtClean="0"/>
+              <a:rPr lang="en-US"/>
               <a:t>Click to edit Master text styles</a:t>
             </a:r>
           </a:p>
           <a:p>
             <a:pPr lvl="1" eaLnBrk="1" latinLnBrk="0" hangingPunct="1"/>
             <a:r>
-              <a:rPr lang="en-US" smtClean="0"/>
+              <a:rPr lang="en-US"/>
               <a:t>Second level</a:t>
             </a:r>
           </a:p>
           <a:p>
             <a:pPr lvl="2" eaLnBrk="1" latinLnBrk="0" hangingPunct="1"/>
             <a:r>
-              <a:rPr lang="en-US" smtClean="0"/>
+              <a:rPr lang="en-US"/>
               <a:t>Third level</a:t>
             </a:r>
           </a:p>
           <a:p>
             <a:pPr lvl="3" eaLnBrk="1" latinLnBrk="0" hangingPunct="1"/>
             <a:r>
-              <a:rPr lang="en-US" smtClean="0"/>
+              <a:rPr lang="en-US"/>
               <a:t>Fourth level</a:t>
             </a:r>
           </a:p>
           <a:p>
             <a:pPr lvl="4" eaLnBrk="1" latinLnBrk="0" hangingPunct="1"/>
             <a:r>
-              <a:rPr lang="en-US" smtClean="0"/>
+              <a:rPr lang="en-US"/>
               <a:t>Fifth level</a:t>
             </a:r>
             <a:endParaRPr kumimoji="0" lang="en-US"/>
@@ -2055,35 +2276,35 @@
           <a:p>
             <a:pPr lvl="0" eaLnBrk="1" latinLnBrk="0" hangingPunct="1"/>
             <a:r>
-              <a:rPr lang="en-US" smtClean="0"/>
+              <a:rPr lang="en-US"/>
               <a:t>Click to edit Master text styles</a:t>
             </a:r>
           </a:p>
           <a:p>
             <a:pPr lvl="1" eaLnBrk="1" latinLnBrk="0" hangingPunct="1"/>
             <a:r>
-              <a:rPr lang="en-US" smtClean="0"/>
+              <a:rPr lang="en-US"/>
               <a:t>Second level</a:t>
             </a:r>
           </a:p>
           <a:p>
             <a:pPr lvl="2" eaLnBrk="1" latinLnBrk="0" hangingPunct="1"/>
             <a:r>
-              <a:rPr lang="en-US" smtClean="0"/>
+              <a:rPr lang="en-US"/>
               <a:t>Third level</a:t>
             </a:r>
           </a:p>
           <a:p>
             <a:pPr lvl="3" eaLnBrk="1" latinLnBrk="0" hangingPunct="1"/>
             <a:r>
-              <a:rPr lang="en-US" smtClean="0"/>
+              <a:rPr lang="en-US"/>
               <a:t>Fourth level</a:t>
             </a:r>
           </a:p>
           <a:p>
             <a:pPr lvl="4" eaLnBrk="1" latinLnBrk="0" hangingPunct="1"/>
             <a:r>
-              <a:rPr lang="en-US" smtClean="0"/>
+              <a:rPr lang="en-US"/>
               <a:t>Fifth level</a:t>
             </a:r>
             <a:endParaRPr kumimoji="0" lang="en-US"/>
@@ -2107,7 +2328,7 @@
           <a:p>
             <a:fld id="{B4E4FDD0-7A9E-476E-9DE6-78DAFAC4BE99}" type="datetimeFigureOut">
               <a:rPr lang="en-US" smtClean="0"/>
-              <a:t>11/4/2020</a:t>
+              <a:t>11/5/2020</a:t>
             </a:fld>
             <a:endParaRPr lang="en-US"/>
           </a:p>
@@ -2205,10 +2426,9 @@
           </a:lstStyle>
           <a:p>
             <a:r>
-              <a:rPr kumimoji="0" lang="en-US" smtClean="0"/>
+              <a:rPr kumimoji="0" lang="en-US"/>
               <a:t>Click to edit Master title style</a:t>
             </a:r>
-            <a:endParaRPr kumimoji="0" lang="en-US"/>
           </a:p>
         </p:txBody>
       </p:sp>
@@ -2229,7 +2449,7 @@
           <a:p>
             <a:fld id="{B4E4FDD0-7A9E-476E-9DE6-78DAFAC4BE99}" type="datetimeFigureOut">
               <a:rPr lang="en-US" smtClean="0"/>
-              <a:t>11/4/2020</a:t>
+              <a:t>11/5/2020</a:t>
             </a:fld>
             <a:endParaRPr lang="en-US"/>
           </a:p>
@@ -2319,7 +2539,7 @@
           <a:p>
             <a:fld id="{B4E4FDD0-7A9E-476E-9DE6-78DAFAC4BE99}" type="datetimeFigureOut">
               <a:rPr lang="en-US" smtClean="0"/>
-              <a:t>11/4/2020</a:t>
+              <a:t>11/5/2020</a:t>
             </a:fld>
             <a:endParaRPr lang="en-US"/>
           </a:p>
@@ -2422,10 +2642,9 @@
           </a:lstStyle>
           <a:p>
             <a:r>
-              <a:rPr kumimoji="0" lang="en-US" smtClean="0"/>
+              <a:rPr kumimoji="0" lang="en-US"/>
               <a:t>Click to edit Master title style</a:t>
             </a:r>
-            <a:endParaRPr kumimoji="0" lang="en-US"/>
           </a:p>
         </p:txBody>
       </p:sp>
@@ -2472,7 +2691,7 @@
           <a:p>
             <a:pPr lvl="0" eaLnBrk="1" latinLnBrk="0" hangingPunct="1"/>
             <a:r>
-              <a:rPr kumimoji="0" lang="en-US" smtClean="0"/>
+              <a:rPr kumimoji="0" lang="en-US"/>
               <a:t>Click to edit Master text styles</a:t>
             </a:r>
           </a:p>
@@ -2516,35 +2735,35 @@
           <a:p>
             <a:pPr lvl="0" eaLnBrk="1" latinLnBrk="0" hangingPunct="1"/>
             <a:r>
-              <a:rPr lang="en-US" smtClean="0"/>
+              <a:rPr lang="en-US"/>
               <a:t>Click to edit Master text styles</a:t>
             </a:r>
           </a:p>
           <a:p>
             <a:pPr lvl="1" eaLnBrk="1" latinLnBrk="0" hangingPunct="1"/>
             <a:r>
-              <a:rPr lang="en-US" smtClean="0"/>
+              <a:rPr lang="en-US"/>
               <a:t>Second level</a:t>
             </a:r>
           </a:p>
           <a:p>
             <a:pPr lvl="2" eaLnBrk="1" latinLnBrk="0" hangingPunct="1"/>
             <a:r>
-              <a:rPr lang="en-US" smtClean="0"/>
+              <a:rPr lang="en-US"/>
               <a:t>Third level</a:t>
             </a:r>
           </a:p>
           <a:p>
             <a:pPr lvl="3" eaLnBrk="1" latinLnBrk="0" hangingPunct="1"/>
             <a:r>
-              <a:rPr lang="en-US" smtClean="0"/>
+              <a:rPr lang="en-US"/>
               <a:t>Fourth level</a:t>
             </a:r>
           </a:p>
           <a:p>
             <a:pPr lvl="4" eaLnBrk="1" latinLnBrk="0" hangingPunct="1"/>
             <a:r>
-              <a:rPr lang="en-US" smtClean="0"/>
+              <a:rPr lang="en-US"/>
               <a:t>Fifth level</a:t>
             </a:r>
             <a:endParaRPr kumimoji="0" lang="en-US"/>
@@ -2568,7 +2787,7 @@
           <a:p>
             <a:fld id="{B4E4FDD0-7A9E-476E-9DE6-78DAFAC4BE99}" type="datetimeFigureOut">
               <a:rPr lang="en-US" smtClean="0"/>
-              <a:t>11/4/2020</a:t>
+              <a:t>11/5/2020</a:t>
             </a:fld>
             <a:endParaRPr lang="en-US"/>
           </a:p>
@@ -2676,10 +2895,9 @@
           </a:lstStyle>
           <a:p>
             <a:r>
-              <a:rPr kumimoji="0" lang="en-US" smtClean="0"/>
+              <a:rPr kumimoji="0" lang="en-US"/>
               <a:t>Click to edit Master title style</a:t>
             </a:r>
-            <a:endParaRPr kumimoji="0" lang="en-US"/>
           </a:p>
         </p:txBody>
       </p:sp>
@@ -2744,7 +2962,7 @@
           </a:lstStyle>
           <a:p>
             <a:r>
-              <a:rPr kumimoji="0" lang="en-US" smtClean="0"/>
+              <a:rPr kumimoji="0" lang="en-US"/>
               <a:t>Click icon to add picture</a:t>
             </a:r>
             <a:endParaRPr kumimoji="0" lang="en-US" dirty="0"/>
@@ -2799,7 +3017,7 @@
           <a:p>
             <a:pPr lvl="0" eaLnBrk="1" latinLnBrk="0" hangingPunct="1"/>
             <a:r>
-              <a:rPr kumimoji="0" lang="en-US" smtClean="0"/>
+              <a:rPr kumimoji="0" lang="en-US"/>
               <a:t>Click to edit Master text styles</a:t>
             </a:r>
           </a:p>
@@ -2827,7 +3045,7 @@
           <a:p>
             <a:fld id="{B4E4FDD0-7A9E-476E-9DE6-78DAFAC4BE99}" type="datetimeFigureOut">
               <a:rPr lang="en-US" smtClean="0"/>
-              <a:t>11/4/2020</a:t>
+              <a:t>11/5/2020</a:t>
             </a:fld>
             <a:endParaRPr lang="en-US"/>
           </a:p>
@@ -3127,10 +3345,9 @@
           <a:lstStyle/>
           <a:p>
             <a:r>
-              <a:rPr kumimoji="0" lang="en-US" smtClean="0"/>
+              <a:rPr kumimoji="0" lang="en-US"/>
               <a:t>Click to edit Master title style</a:t>
             </a:r>
-            <a:endParaRPr kumimoji="0" lang="en-US"/>
           </a:p>
         </p:txBody>
       </p:sp>
@@ -3161,38 +3378,37 @@
           <a:p>
             <a:pPr lvl="0" eaLnBrk="1" latinLnBrk="0" hangingPunct="1"/>
             <a:r>
-              <a:rPr kumimoji="0" lang="en-US" smtClean="0"/>
+              <a:rPr kumimoji="0" lang="en-US"/>
               <a:t>Click to edit Master text styles</a:t>
             </a:r>
           </a:p>
           <a:p>
             <a:pPr lvl="1" eaLnBrk="1" latinLnBrk="0" hangingPunct="1"/>
             <a:r>
-              <a:rPr kumimoji="0" lang="en-US" smtClean="0"/>
+              <a:rPr kumimoji="0" lang="en-US"/>
               <a:t>Second level</a:t>
             </a:r>
           </a:p>
           <a:p>
             <a:pPr lvl="2" eaLnBrk="1" latinLnBrk="0" hangingPunct="1"/>
             <a:r>
-              <a:rPr kumimoji="0" lang="en-US" smtClean="0"/>
+              <a:rPr kumimoji="0" lang="en-US"/>
               <a:t>Third level</a:t>
             </a:r>
           </a:p>
           <a:p>
             <a:pPr lvl="3" eaLnBrk="1" latinLnBrk="0" hangingPunct="1"/>
             <a:r>
-              <a:rPr kumimoji="0" lang="en-US" smtClean="0"/>
+              <a:rPr kumimoji="0" lang="en-US"/>
               <a:t>Fourth level</a:t>
             </a:r>
           </a:p>
           <a:p>
             <a:pPr lvl="4" eaLnBrk="1" latinLnBrk="0" hangingPunct="1"/>
             <a:r>
-              <a:rPr kumimoji="0" lang="en-US" smtClean="0"/>
+              <a:rPr kumimoji="0" lang="en-US"/>
               <a:t>Fifth level</a:t>
             </a:r>
-            <a:endParaRPr kumimoji="0" lang="en-US"/>
           </a:p>
         </p:txBody>
       </p:sp>
@@ -3231,7 +3447,7 @@
           <a:p>
             <a:fld id="{B4E4FDD0-7A9E-476E-9DE6-78DAFAC4BE99}" type="datetimeFigureOut">
               <a:rPr lang="en-US" smtClean="0"/>
-              <a:t>11/4/2020</a:t>
+              <a:t>11/5/2020</a:t>
             </a:fld>
             <a:endParaRPr lang="en-US"/>
           </a:p>
@@ -3658,7 +3874,7 @@
           <a:p>
             <a:pPr algn="ctr"/>
             <a:r>
-              <a:rPr lang="en-US" sz="4400" b="0" i="1" dirty="0" smtClean="0">
+              <a:rPr lang="en-US" sz="4400" b="0" i="1" dirty="0">
                 <a:solidFill>
                   <a:srgbClr val="20B2E0"/>
                 </a:solidFill>
@@ -3666,14 +3882,14 @@
               <a:t>Training Module </a:t>
             </a:r>
             <a:br>
-              <a:rPr lang="en-US" sz="4400" b="0" i="1" dirty="0" smtClean="0">
+              <a:rPr lang="en-US" sz="4400" b="0" i="1" dirty="0">
                 <a:solidFill>
                   <a:srgbClr val="20B2E0"/>
                 </a:solidFill>
               </a:rPr>
             </a:br>
             <a:r>
-              <a:rPr lang="en-US" sz="4400" b="0" i="1" dirty="0" smtClean="0">
+              <a:rPr lang="en-US" sz="4400" b="0" i="1" dirty="0">
                 <a:solidFill>
                   <a:srgbClr val="20B2E0"/>
                 </a:solidFill>
@@ -3681,14 +3897,14 @@
               <a:t>Presentation</a:t>
             </a:r>
             <a:br>
-              <a:rPr lang="en-US" sz="4400" b="0" i="1" dirty="0" smtClean="0">
+              <a:rPr lang="en-US" sz="4400" b="0" i="1" dirty="0">
                 <a:solidFill>
                   <a:srgbClr val="20B2E0"/>
                 </a:solidFill>
               </a:rPr>
             </a:br>
             <a:r>
-              <a:rPr lang="en-US" sz="2000" b="0" i="1" dirty="0" smtClean="0">
+              <a:rPr lang="en-US" sz="2000" b="0" i="1" dirty="0">
                 <a:solidFill>
                   <a:srgbClr val="20B2E0"/>
                 </a:solidFill>
@@ -3725,7 +3941,7 @@
           <a:p>
             <a:pPr algn="ctr"/>
             <a:r>
-              <a:rPr lang="en-US" sz="3200" dirty="0" smtClean="0">
+              <a:rPr lang="en-US" sz="3200" dirty="0">
                 <a:solidFill>
                   <a:schemeClr val="tx1">
                     <a:lumMod val="95000"/>
@@ -3741,7 +3957,7 @@
                 <a:latin typeface="Arial" panose="020B0604020202020204" pitchFamily="34" charset="0"/>
                 <a:cs typeface="Arial" panose="020B0604020202020204" pitchFamily="34" charset="0"/>
               </a:rPr>
-              <a:t>Introduction and topic explanation</a:t>
+              <a:t>Bootstrap + Chart.js</a:t>
             </a:r>
           </a:p>
           <a:p>
@@ -3797,25 +4013,22 @@
         <p:spPr>
           <a:xfrm>
             <a:off x="2286000" y="685800"/>
-            <a:ext cx="4648200" cy="990600"/>
+            <a:ext cx="5329238" cy="990600"/>
           </a:xfrm>
         </p:spPr>
         <p:txBody>
           <a:bodyPr>
-            <a:normAutofit/>
+            <a:normAutofit fontScale="90000"/>
           </a:bodyPr>
           <a:lstStyle/>
           <a:p>
             <a:pPr algn="ctr"/>
             <a:r>
-              <a:rPr lang="en-US" dirty="0" smtClean="0">
+              <a:rPr lang="en-US" dirty="0">
                 <a:effectLst/>
               </a:rPr>
-              <a:t>Demo example 4</a:t>
-            </a:r>
-            <a:endParaRPr lang="en-US" dirty="0">
-              <a:effectLst/>
-            </a:endParaRPr>
+              <a:t>Adding the starter graph</a:t>
+            </a:r>
           </a:p>
         </p:txBody>
       </p:sp>
@@ -3831,8 +4044,8 @@
         </p:nvSpPr>
         <p:spPr>
           <a:xfrm>
-            <a:off x="457200" y="1981200"/>
-            <a:ext cx="3048000" cy="2971800"/>
+            <a:off x="228600" y="2057400"/>
+            <a:ext cx="3276600" cy="2667000"/>
           </a:xfrm>
         </p:spPr>
         <p:txBody>
@@ -3841,39 +4054,33 @@
           <a:p>
             <a:pPr lvl="1" algn="ctr"/>
             <a:r>
-              <a:rPr lang="en-US" dirty="0" smtClean="0"/>
-              <a:t>This is what your code should look like now after it has all been entered.</a:t>
-            </a:r>
-            <a:endParaRPr lang="en-US" dirty="0"/>
+              <a:rPr lang="en-US" dirty="0"/>
+              <a:t>Chart command script which is essential for drawing a particular chart. </a:t>
+            </a:r>
           </a:p>
           <a:p>
             <a:pPr lvl="1" algn="ctr"/>
-            <a:endParaRPr lang="en-US" dirty="0" smtClean="0"/>
+            <a:r>
+              <a:rPr lang="en-US" dirty="0"/>
+              <a:t>And this must be underneath the chart.js library </a:t>
+            </a:r>
           </a:p>
           <a:p>
             <a:pPr lvl="1" algn="ctr"/>
             <a:endParaRPr lang="en-US" dirty="0"/>
           </a:p>
-          <a:p>
-            <a:pPr lvl="1" algn="ctr"/>
-            <a:endParaRPr lang="en-US" dirty="0" smtClean="0"/>
-          </a:p>
-          <a:p>
-            <a:pPr lvl="1" algn="ctr"/>
-            <a:endParaRPr lang="en-US" dirty="0"/>
-          </a:p>
         </p:txBody>
       </p:sp>
       <p:pic>
         <p:nvPicPr>
-          <p:cNvPr id="4098" name="Picture 2"/>
+          <p:cNvPr id="3074" name="Picture 2"/>
           <p:cNvPicPr>
             <a:picLocks noChangeAspect="1" noChangeArrowheads="1"/>
           </p:cNvPicPr>
           <p:nvPr/>
         </p:nvPicPr>
         <p:blipFill>
-          <a:blip r:embed="rId2">
+          <a:blip r:embed="rId2" cstate="print">
             <a:extLst>
               <a:ext uri="{28A0092B-C50C-407E-A947-70E740481C1C}">
                 <a14:useLocalDpi xmlns:a14="http://schemas.microsoft.com/office/drawing/2010/main" val="0"/>
@@ -3887,8 +4094,8 @@
         </p:blipFill>
         <p:spPr bwMode="auto">
           <a:xfrm>
-            <a:off x="3886199" y="1447800"/>
-            <a:ext cx="5057775" cy="4638391"/>
+            <a:off x="3901281" y="1524000"/>
+            <a:ext cx="5329238" cy="5020659"/>
           </a:xfrm>
           <a:prstGeom prst="rect">
             <a:avLst/>
@@ -3931,7 +4138,7 @@
     </p:spTree>
     <p:extLst>
       <p:ext uri="{BB962C8B-B14F-4D97-AF65-F5344CB8AC3E}">
-        <p14:creationId xmlns:p14="http://schemas.microsoft.com/office/powerpoint/2010/main" val="2040592038"/>
+        <p14:creationId xmlns:p14="http://schemas.microsoft.com/office/powerpoint/2010/main" val="3469851452"/>
       </p:ext>
     </p:extLst>
   </p:cSld>
@@ -3970,7 +4177,7 @@
         </p:nvSpPr>
         <p:spPr>
           <a:xfrm>
-            <a:off x="2286000" y="609600"/>
+            <a:off x="2286000" y="685800"/>
             <a:ext cx="4648200" cy="990600"/>
           </a:xfrm>
         </p:spPr>
@@ -3982,16 +4189,10 @@
           <a:p>
             <a:pPr algn="ctr"/>
             <a:r>
-              <a:rPr lang="en-US" dirty="0" smtClean="0">
-                <a:effectLst/>
-              </a:rPr>
-              <a:t>Demo example </a:t>
-            </a:r>
-            <a:r>
               <a:rPr lang="en-US" dirty="0">
                 <a:effectLst/>
               </a:rPr>
-              <a:t>5</a:t>
+              <a:t>All put together</a:t>
             </a:r>
           </a:p>
         </p:txBody>
@@ -4008,39 +4209,41 @@
         </p:nvSpPr>
         <p:spPr>
           <a:xfrm>
-            <a:off x="228600" y="1752600"/>
-            <a:ext cx="3048000" cy="2800305"/>
-          </a:xfrm>
-        </p:spPr>
-        <p:txBody>
-          <a:bodyPr>
-            <a:normAutofit fontScale="92500"/>
-          </a:bodyPr>
+            <a:off x="457200" y="1981200"/>
+            <a:ext cx="3048000" cy="2971800"/>
+          </a:xfrm>
+        </p:spPr>
+        <p:txBody>
+          <a:bodyPr/>
           <a:lstStyle/>
           <a:p>
             <a:pPr lvl="1" algn="ctr"/>
             <a:r>
-              <a:rPr lang="en-US" dirty="0" smtClean="0"/>
-              <a:t>Change the type of chart to a doughnut and also to help with differentiate the different datasets on the chart, change the backgroundColor and borderColor into Json.</a:t>
+              <a:rPr lang="en-US" dirty="0"/>
+              <a:t>This is what your code should look like now after it has all been entered.</a:t>
             </a:r>
           </a:p>
           <a:p>
             <a:pPr lvl="1" algn="ctr"/>
-            <a:r>
-              <a:rPr lang="en-US" dirty="0" smtClean="0"/>
-              <a:t>And the Chart below is what it should look like.</a:t>
-            </a:r>
             <a:endParaRPr lang="en-US" dirty="0"/>
           </a:p>
           <a:p>
             <a:pPr lvl="1" algn="ctr"/>
-            <a:endParaRPr lang="en-US" dirty="0" smtClean="0"/>
+            <a:endParaRPr lang="en-US" dirty="0"/>
+          </a:p>
+          <a:p>
+            <a:pPr lvl="1" algn="ctr"/>
+            <a:endParaRPr lang="en-US" dirty="0"/>
+          </a:p>
+          <a:p>
+            <a:pPr lvl="1" algn="ctr"/>
+            <a:endParaRPr lang="en-US" dirty="0"/>
           </a:p>
         </p:txBody>
       </p:sp>
       <p:pic>
         <p:nvPicPr>
-          <p:cNvPr id="5122" name="Picture 2"/>
+          <p:cNvPr id="4098" name="Picture 2"/>
           <p:cNvPicPr>
             <a:picLocks noChangeAspect="1" noChangeArrowheads="1"/>
           </p:cNvPicPr>
@@ -4061,8 +4264,8 @@
         </p:blipFill>
         <p:spPr bwMode="auto">
           <a:xfrm>
-            <a:off x="3644900" y="1981200"/>
-            <a:ext cx="5346700" cy="4371975"/>
+            <a:off x="3886199" y="1447800"/>
+            <a:ext cx="5057775" cy="4638391"/>
           </a:xfrm>
           <a:prstGeom prst="rect">
             <a:avLst/>
@@ -4102,16 +4305,125 @@
           </a:extLst>
         </p:spPr>
       </p:pic>
+    </p:spTree>
+    <p:extLst>
+      <p:ext uri="{BB962C8B-B14F-4D97-AF65-F5344CB8AC3E}">
+        <p14:creationId xmlns:p14="http://schemas.microsoft.com/office/powerpoint/2010/main" val="2040592038"/>
+      </p:ext>
+    </p:extLst>
+  </p:cSld>
+  <p:clrMapOvr>
+    <a:masterClrMapping/>
+  </p:clrMapOvr>
+</p:sld>
+</file>
+
+<file path=ppt/slides/slide12.xml><?xml version="1.0" encoding="utf-8"?>
+<p:sld xmlns:a="http://schemas.openxmlformats.org/drawingml/2006/main" xmlns:r="http://schemas.openxmlformats.org/officeDocument/2006/relationships" xmlns:p="http://schemas.openxmlformats.org/presentationml/2006/main">
+  <p:cSld>
+    <p:spTree>
+      <p:nvGrpSpPr>
+        <p:cNvPr id="1" name=""/>
+        <p:cNvGrpSpPr/>
+        <p:nvPr/>
+      </p:nvGrpSpPr>
+      <p:grpSpPr>
+        <a:xfrm>
+          <a:off x="0" y="0"/>
+          <a:ext cx="0" cy="0"/>
+          <a:chOff x="0" y="0"/>
+          <a:chExt cx="0" cy="0"/>
+        </a:xfrm>
+      </p:grpSpPr>
+      <p:sp>
+        <p:nvSpPr>
+          <p:cNvPr id="2" name="Title 1"/>
+          <p:cNvSpPr>
+            <a:spLocks noGrp="1"/>
+          </p:cNvSpPr>
+          <p:nvPr>
+            <p:ph type="title"/>
+          </p:nvPr>
+        </p:nvSpPr>
+        <p:spPr>
+          <a:xfrm>
+            <a:off x="2286000" y="609600"/>
+            <a:ext cx="5181600" cy="990600"/>
+          </a:xfrm>
+        </p:spPr>
+        <p:txBody>
+          <a:bodyPr>
+            <a:normAutofit fontScale="90000"/>
+          </a:bodyPr>
+          <a:lstStyle/>
+          <a:p>
+            <a:pPr algn="ctr"/>
+            <a:r>
+              <a:rPr lang="en-US" dirty="0" err="1">
+                <a:effectLst/>
+              </a:rPr>
+              <a:t>Mmmmm</a:t>
+            </a:r>
+            <a:r>
+              <a:rPr lang="en-US" dirty="0">
+                <a:effectLst/>
+              </a:rPr>
+              <a:t> Doughnuts…</a:t>
+            </a:r>
+          </a:p>
+        </p:txBody>
+      </p:sp>
+      <p:sp>
+        <p:nvSpPr>
+          <p:cNvPr id="3" name="Text Placeholder 2"/>
+          <p:cNvSpPr>
+            <a:spLocks noGrp="1"/>
+          </p:cNvSpPr>
+          <p:nvPr>
+            <p:ph type="body" idx="1"/>
+          </p:nvPr>
+        </p:nvSpPr>
+        <p:spPr>
+          <a:xfrm>
+            <a:off x="228600" y="1752600"/>
+            <a:ext cx="3048000" cy="2800305"/>
+          </a:xfrm>
+        </p:spPr>
+        <p:txBody>
+          <a:bodyPr>
+            <a:normAutofit fontScale="92500"/>
+          </a:bodyPr>
+          <a:lstStyle/>
+          <a:p>
+            <a:pPr lvl="1" algn="ctr"/>
+            <a:r>
+              <a:rPr lang="en-US" dirty="0"/>
+              <a:t>Change the type of chart to a doughnut and also to help with differentiate the different datasets on the chart, change the backgroundColor and borderColor into Json.</a:t>
+            </a:r>
+          </a:p>
+          <a:p>
+            <a:pPr lvl="1" algn="ctr"/>
+            <a:r>
+              <a:rPr lang="en-US" dirty="0"/>
+              <a:t>And the Chart below is what it should look like.</a:t>
+            </a:r>
+          </a:p>
+          <a:p>
+            <a:pPr lvl="1" algn="ctr"/>
+            <a:endParaRPr lang="en-US" dirty="0"/>
+          </a:p>
+        </p:txBody>
+      </p:sp>
       <p:pic>
         <p:nvPicPr>
-          <p:cNvPr id="5123" name="Picture 3"/>
+          <p:cNvPr id="5122" name="Picture 2"/>
           <p:cNvPicPr>
             <a:picLocks noChangeAspect="1" noChangeArrowheads="1"/>
           </p:cNvPicPr>
           <p:nvPr/>
         </p:nvPicPr>
         <p:blipFill>
-          <a:blip r:embed="rId3">
+          <a:blip r:embed="rId2">
             <a:extLst>
               <a:ext uri="{28A0092B-C50C-407E-A947-70E740481C1C}">
                 <a14:useLocalDpi xmlns:a14="http://schemas.microsoft.com/office/drawing/2010/main" val="0"/>
@@ -4125,8 +4437,8 @@
         </p:blipFill>
         <p:spPr bwMode="auto">
           <a:xfrm>
-            <a:off x="444500" y="4400505"/>
-            <a:ext cx="3200400" cy="1978070"/>
+            <a:off x="3644900" y="1981200"/>
+            <a:ext cx="5346700" cy="4371975"/>
           </a:xfrm>
           <a:prstGeom prst="rect">
             <a:avLst/>
@@ -4166,149 +4478,16 @@
           </a:extLst>
         </p:spPr>
       </p:pic>
-    </p:spTree>
-    <p:extLst>
-      <p:ext uri="{BB962C8B-B14F-4D97-AF65-F5344CB8AC3E}">
-        <p14:creationId xmlns:p14="http://schemas.microsoft.com/office/powerpoint/2010/main" val="1387805886"/>
-      </p:ext>
-    </p:extLst>
-  </p:cSld>
-  <p:clrMapOvr>
-    <a:masterClrMapping/>
-  </p:clrMapOvr>
-</p:sld>
-</file>
-
-<file path=ppt/slides/slide12.xml><?xml version="1.0" encoding="utf-8"?>
-<p:sld xmlns:a="http://schemas.openxmlformats.org/drawingml/2006/main" xmlns:r="http://schemas.openxmlformats.org/officeDocument/2006/relationships" xmlns:p="http://schemas.openxmlformats.org/presentationml/2006/main">
-  <p:cSld>
-    <p:spTree>
-      <p:nvGrpSpPr>
-        <p:cNvPr id="1" name=""/>
-        <p:cNvGrpSpPr/>
-        <p:nvPr/>
-      </p:nvGrpSpPr>
-      <p:grpSpPr>
-        <a:xfrm>
-          <a:off x="0" y="0"/>
-          <a:ext cx="0" cy="0"/>
-          <a:chOff x="0" y="0"/>
-          <a:chExt cx="0" cy="0"/>
-        </a:xfrm>
-      </p:grpSpPr>
-      <p:sp>
-        <p:nvSpPr>
-          <p:cNvPr id="2" name="Title 1"/>
-          <p:cNvSpPr>
-            <a:spLocks noGrp="1"/>
-          </p:cNvSpPr>
-          <p:nvPr>
-            <p:ph type="title"/>
-          </p:nvPr>
-        </p:nvSpPr>
-        <p:spPr>
-          <a:xfrm>
-            <a:off x="2286000" y="685800"/>
-            <a:ext cx="4648200" cy="990600"/>
-          </a:xfrm>
-        </p:spPr>
-        <p:txBody>
-          <a:bodyPr>
-            <a:normAutofit/>
-          </a:bodyPr>
-          <a:lstStyle/>
-          <a:p>
-            <a:pPr algn="ctr"/>
-            <a:r>
-              <a:rPr lang="en-US" dirty="0" smtClean="0">
-                <a:effectLst/>
-              </a:rPr>
-              <a:t>Demo example 6</a:t>
-            </a:r>
-            <a:endParaRPr lang="en-US" dirty="0">
-              <a:effectLst/>
-            </a:endParaRPr>
-          </a:p>
-        </p:txBody>
-      </p:sp>
-      <p:sp>
-        <p:nvSpPr>
-          <p:cNvPr id="3" name="Text Placeholder 2"/>
-          <p:cNvSpPr>
-            <a:spLocks noGrp="1"/>
-          </p:cNvSpPr>
-          <p:nvPr>
-            <p:ph type="body" idx="1"/>
-          </p:nvPr>
-        </p:nvSpPr>
-        <p:spPr>
-          <a:xfrm>
-            <a:off x="76200" y="1676400"/>
-            <a:ext cx="3962400" cy="4267200"/>
-          </a:xfrm>
-        </p:spPr>
-        <p:txBody>
-          <a:bodyPr/>
-          <a:lstStyle/>
-          <a:p>
-            <a:pPr lvl="1" algn="ctr"/>
-            <a:r>
-              <a:rPr lang="en-US" dirty="0"/>
-              <a:t>Circumference: 1 * </a:t>
-            </a:r>
-            <a:r>
-              <a:rPr lang="en-US" dirty="0" err="1" smtClean="0"/>
-              <a:t>Math.PI</a:t>
-            </a:r>
-            <a:r>
-              <a:rPr lang="en-US" dirty="0" smtClean="0"/>
-              <a:t> is to create a gauge chart but to rotate it to look like the gauge chart shown you will have to use rotation: 1 * </a:t>
-            </a:r>
-            <a:r>
-              <a:rPr lang="en-US" dirty="0" err="1" smtClean="0"/>
-              <a:t>Math.PI</a:t>
-            </a:r>
-            <a:endParaRPr lang="en-US" dirty="0" smtClean="0"/>
-          </a:p>
-          <a:p>
-            <a:pPr lvl="1" algn="ctr"/>
-            <a:r>
-              <a:rPr lang="en-US" dirty="0" smtClean="0"/>
-              <a:t> To make the gauge chart look better we use the command </a:t>
-            </a:r>
-            <a:r>
-              <a:rPr lang="en-US" dirty="0" err="1"/>
-              <a:t>cutoutPercentage</a:t>
-            </a:r>
-            <a:r>
-              <a:rPr lang="en-US" dirty="0"/>
-              <a:t>: </a:t>
-            </a:r>
-            <a:r>
-              <a:rPr lang="en-US" dirty="0" smtClean="0"/>
-              <a:t>80 to make it look more accurate to the percentage of the data given. </a:t>
-            </a:r>
-          </a:p>
-          <a:p>
-            <a:pPr lvl="1" algn="ctr"/>
-            <a:endParaRPr lang="en-US" dirty="0" smtClean="0"/>
-          </a:p>
-          <a:p>
-            <a:pPr lvl="1" algn="ctr"/>
-            <a:endParaRPr lang="en-US" dirty="0" smtClean="0"/>
-          </a:p>
-        </p:txBody>
-      </p:sp>
       <p:pic>
         <p:nvPicPr>
-          <p:cNvPr id="6148" name="Picture 4"/>
+          <p:cNvPr id="5123" name="Picture 3"/>
           <p:cNvPicPr>
             <a:picLocks noChangeAspect="1" noChangeArrowheads="1"/>
           </p:cNvPicPr>
           <p:nvPr/>
         </p:nvPicPr>
         <p:blipFill>
-          <a:blip r:embed="rId2">
+          <a:blip r:embed="rId3">
             <a:extLst>
               <a:ext uri="{28A0092B-C50C-407E-A947-70E740481C1C}">
                 <a14:useLocalDpi xmlns:a14="http://schemas.microsoft.com/office/drawing/2010/main" val="0"/>
@@ -4322,8 +4501,8 @@
         </p:blipFill>
         <p:spPr bwMode="auto">
           <a:xfrm>
-            <a:off x="4521200" y="1905000"/>
-            <a:ext cx="3825875" cy="2554078"/>
+            <a:off x="444500" y="4400505"/>
+            <a:ext cx="3200400" cy="1978070"/>
           </a:xfrm>
           <a:prstGeom prst="rect">
             <a:avLst/>
@@ -4363,16 +4542,142 @@
           </a:extLst>
         </p:spPr>
       </p:pic>
+    </p:spTree>
+    <p:extLst>
+      <p:ext uri="{BB962C8B-B14F-4D97-AF65-F5344CB8AC3E}">
+        <p14:creationId xmlns:p14="http://schemas.microsoft.com/office/powerpoint/2010/main" val="1387805886"/>
+      </p:ext>
+    </p:extLst>
+  </p:cSld>
+  <p:clrMapOvr>
+    <a:masterClrMapping/>
+  </p:clrMapOvr>
+</p:sld>
+</file>
+
+<file path=ppt/slides/slide13.xml><?xml version="1.0" encoding="utf-8"?>
+<p:sld xmlns:a="http://schemas.openxmlformats.org/drawingml/2006/main" xmlns:r="http://schemas.openxmlformats.org/officeDocument/2006/relationships" xmlns:p="http://schemas.openxmlformats.org/presentationml/2006/main">
+  <p:cSld>
+    <p:spTree>
+      <p:nvGrpSpPr>
+        <p:cNvPr id="1" name=""/>
+        <p:cNvGrpSpPr/>
+        <p:nvPr/>
+      </p:nvGrpSpPr>
+      <p:grpSpPr>
+        <a:xfrm>
+          <a:off x="0" y="0"/>
+          <a:ext cx="0" cy="0"/>
+          <a:chOff x="0" y="0"/>
+          <a:chExt cx="0" cy="0"/>
+        </a:xfrm>
+      </p:grpSpPr>
+      <p:sp>
+        <p:nvSpPr>
+          <p:cNvPr id="2" name="Title 1"/>
+          <p:cNvSpPr>
+            <a:spLocks noGrp="1"/>
+          </p:cNvSpPr>
+          <p:nvPr>
+            <p:ph type="title"/>
+          </p:nvPr>
+        </p:nvSpPr>
+        <p:spPr>
+          <a:xfrm>
+            <a:off x="2286000" y="685800"/>
+            <a:ext cx="4648200" cy="990600"/>
+          </a:xfrm>
+        </p:spPr>
+        <p:txBody>
+          <a:bodyPr>
+            <a:normAutofit/>
+          </a:bodyPr>
+          <a:lstStyle/>
+          <a:p>
+            <a:pPr algn="ctr"/>
+            <a:r>
+              <a:rPr lang="en-US" dirty="0">
+                <a:effectLst/>
+              </a:rPr>
+              <a:t>Graph taking shape</a:t>
+            </a:r>
+          </a:p>
+        </p:txBody>
+      </p:sp>
+      <p:sp>
+        <p:nvSpPr>
+          <p:cNvPr id="3" name="Text Placeholder 2"/>
+          <p:cNvSpPr>
+            <a:spLocks noGrp="1"/>
+          </p:cNvSpPr>
+          <p:nvPr>
+            <p:ph type="body" idx="1"/>
+          </p:nvPr>
+        </p:nvSpPr>
+        <p:spPr>
+          <a:xfrm>
+            <a:off x="76200" y="1676400"/>
+            <a:ext cx="3962400" cy="4267200"/>
+          </a:xfrm>
+        </p:spPr>
+        <p:txBody>
+          <a:bodyPr/>
+          <a:lstStyle/>
+          <a:p>
+            <a:pPr lvl="1" algn="ctr"/>
+            <a:r>
+              <a:rPr lang="en-US" dirty="0"/>
+              <a:t>Circumference: 1 * </a:t>
+            </a:r>
+            <a:r>
+              <a:rPr lang="en-US" dirty="0" err="1"/>
+              <a:t>Math.PI</a:t>
+            </a:r>
+            <a:r>
+              <a:rPr lang="en-US" dirty="0"/>
+              <a:t> is to create a gauge chart but to rotate it to look like the gauge chart shown you will have to use rotation: 1 * </a:t>
+            </a:r>
+            <a:r>
+              <a:rPr lang="en-US" dirty="0" err="1"/>
+              <a:t>Math.PI</a:t>
+            </a:r>
+            <a:endParaRPr lang="en-US" dirty="0"/>
+          </a:p>
+          <a:p>
+            <a:pPr lvl="1" algn="ctr"/>
+            <a:r>
+              <a:rPr lang="en-US" dirty="0"/>
+              <a:t> To make the gauge chart look better we use the command </a:t>
+            </a:r>
+            <a:r>
+              <a:rPr lang="en-US" dirty="0" err="1"/>
+              <a:t>cutoutPercentage</a:t>
+            </a:r>
+            <a:r>
+              <a:rPr lang="en-US" dirty="0"/>
+              <a:t>: 80 to make it look more accurate to the percentage of the data given. </a:t>
+            </a:r>
+          </a:p>
+          <a:p>
+            <a:pPr lvl="1" algn="ctr"/>
+            <a:endParaRPr lang="en-US" dirty="0"/>
+          </a:p>
+          <a:p>
+            <a:pPr lvl="1" algn="ctr"/>
+            <a:endParaRPr lang="en-US" dirty="0"/>
+          </a:p>
+        </p:txBody>
+      </p:sp>
       <p:pic>
         <p:nvPicPr>
-          <p:cNvPr id="6149" name="Picture 5"/>
+          <p:cNvPr id="6148" name="Picture 4"/>
           <p:cNvPicPr>
             <a:picLocks noChangeAspect="1" noChangeArrowheads="1"/>
           </p:cNvPicPr>
           <p:nvPr/>
         </p:nvPicPr>
         <p:blipFill>
-          <a:blip r:embed="rId3">
+          <a:blip r:embed="rId2">
             <a:extLst>
               <a:ext uri="{28A0092B-C50C-407E-A947-70E740481C1C}">
                 <a14:useLocalDpi xmlns:a14="http://schemas.microsoft.com/office/drawing/2010/main" val="0"/>
@@ -4386,8 +4691,8 @@
         </p:blipFill>
         <p:spPr bwMode="auto">
           <a:xfrm>
-            <a:off x="4521200" y="4546600"/>
-            <a:ext cx="3825875" cy="2109787"/>
+            <a:off x="4521200" y="1905000"/>
+            <a:ext cx="3825875" cy="2554078"/>
           </a:xfrm>
           <a:prstGeom prst="rect">
             <a:avLst/>
@@ -4427,128 +4732,16 @@
           </a:extLst>
         </p:spPr>
       </p:pic>
-    </p:spTree>
-    <p:extLst>
-      <p:ext uri="{BB962C8B-B14F-4D97-AF65-F5344CB8AC3E}">
-        <p14:creationId xmlns:p14="http://schemas.microsoft.com/office/powerpoint/2010/main" val="1131401724"/>
-      </p:ext>
-    </p:extLst>
-  </p:cSld>
-  <p:clrMapOvr>
-    <a:masterClrMapping/>
-  </p:clrMapOvr>
-</p:sld>
-</file>
-
-<file path=ppt/slides/slide13.xml><?xml version="1.0" encoding="utf-8"?>
-<p:sld xmlns:a="http://schemas.openxmlformats.org/drawingml/2006/main" xmlns:r="http://schemas.openxmlformats.org/officeDocument/2006/relationships" xmlns:p="http://schemas.openxmlformats.org/presentationml/2006/main">
-  <p:cSld>
-    <p:spTree>
-      <p:nvGrpSpPr>
-        <p:cNvPr id="1" name=""/>
-        <p:cNvGrpSpPr/>
-        <p:nvPr/>
-      </p:nvGrpSpPr>
-      <p:grpSpPr>
-        <a:xfrm>
-          <a:off x="0" y="0"/>
-          <a:ext cx="0" cy="0"/>
-          <a:chOff x="0" y="0"/>
-          <a:chExt cx="0" cy="0"/>
-        </a:xfrm>
-      </p:grpSpPr>
-      <p:sp>
-        <p:nvSpPr>
-          <p:cNvPr id="2" name="Title 1"/>
-          <p:cNvSpPr>
-            <a:spLocks noGrp="1"/>
-          </p:cNvSpPr>
-          <p:nvPr>
-            <p:ph type="title"/>
-          </p:nvPr>
-        </p:nvSpPr>
-        <p:spPr>
-          <a:xfrm>
-            <a:off x="2286000" y="685800"/>
-            <a:ext cx="4648200" cy="990600"/>
-          </a:xfrm>
-        </p:spPr>
-        <p:txBody>
-          <a:bodyPr>
-            <a:normAutofit/>
-          </a:bodyPr>
-          <a:lstStyle/>
-          <a:p>
-            <a:pPr algn="ctr"/>
-            <a:r>
-              <a:rPr lang="en-US" dirty="0" smtClean="0">
-                <a:effectLst/>
-              </a:rPr>
-              <a:t>Demo example 7</a:t>
-            </a:r>
-            <a:endParaRPr lang="en-US" dirty="0">
-              <a:effectLst/>
-            </a:endParaRPr>
-          </a:p>
-        </p:txBody>
-      </p:sp>
-      <p:sp>
-        <p:nvSpPr>
-          <p:cNvPr id="3" name="Text Placeholder 2"/>
-          <p:cNvSpPr>
-            <a:spLocks noGrp="1"/>
-          </p:cNvSpPr>
-          <p:nvPr>
-            <p:ph type="body" idx="1"/>
-          </p:nvPr>
-        </p:nvSpPr>
-        <p:spPr>
-          <a:xfrm>
-            <a:off x="381000" y="1752600"/>
-            <a:ext cx="3352800" cy="4038600"/>
-          </a:xfrm>
-        </p:spPr>
-        <p:txBody>
-          <a:bodyPr/>
-          <a:lstStyle/>
-          <a:p>
-            <a:pPr lvl="1" algn="ctr"/>
-            <a:r>
-              <a:rPr lang="en-US" dirty="0" smtClean="0"/>
-              <a:t>Adding a button to the body and refresh the button at this time will not do anything because there is not a function of what the button does.</a:t>
-            </a:r>
-          </a:p>
-          <a:p>
-            <a:pPr lvl="1" algn="ctr"/>
-            <a:r>
-              <a:rPr lang="en-US" dirty="0" smtClean="0"/>
-              <a:t>We will add the   </a:t>
-            </a:r>
-            <a:r>
-              <a:rPr lang="en-US" dirty="0" err="1" smtClean="0"/>
-              <a:t>updateChart</a:t>
-            </a:r>
-            <a:r>
-              <a:rPr lang="en-US" dirty="0" smtClean="0"/>
-              <a:t>()  function shown so that when clicked it will add the value that you put into the chart. </a:t>
-            </a:r>
-          </a:p>
-          <a:p>
-            <a:pPr lvl="1" algn="ctr"/>
-            <a:endParaRPr lang="en-US" dirty="0" smtClean="0"/>
-          </a:p>
-        </p:txBody>
-      </p:sp>
       <p:pic>
         <p:nvPicPr>
-          <p:cNvPr id="7170" name="Picture 2"/>
+          <p:cNvPr id="6149" name="Picture 5"/>
           <p:cNvPicPr>
             <a:picLocks noChangeAspect="1" noChangeArrowheads="1"/>
           </p:cNvPicPr>
           <p:nvPr/>
         </p:nvPicPr>
         <p:blipFill>
-          <a:blip r:embed="rId2">
+          <a:blip r:embed="rId3">
             <a:extLst>
               <a:ext uri="{28A0092B-C50C-407E-A947-70E740481C1C}">
                 <a14:useLocalDpi xmlns:a14="http://schemas.microsoft.com/office/drawing/2010/main" val="0"/>
@@ -4562,8 +4755,8 @@
         </p:blipFill>
         <p:spPr bwMode="auto">
           <a:xfrm>
-            <a:off x="4051300" y="1600200"/>
-            <a:ext cx="4953000" cy="1524000"/>
+            <a:off x="4521200" y="4546600"/>
+            <a:ext cx="3825875" cy="2109787"/>
           </a:xfrm>
           <a:prstGeom prst="rect">
             <a:avLst/>
@@ -4603,16 +4796,125 @@
           </a:extLst>
         </p:spPr>
       </p:pic>
+    </p:spTree>
+    <p:extLst>
+      <p:ext uri="{BB962C8B-B14F-4D97-AF65-F5344CB8AC3E}">
+        <p14:creationId xmlns:p14="http://schemas.microsoft.com/office/powerpoint/2010/main" val="1131401724"/>
+      </p:ext>
+    </p:extLst>
+  </p:cSld>
+  <p:clrMapOvr>
+    <a:masterClrMapping/>
+  </p:clrMapOvr>
+</p:sld>
+</file>
+
+<file path=ppt/slides/slide14.xml><?xml version="1.0" encoding="utf-8"?>
+<p:sld xmlns:a="http://schemas.openxmlformats.org/drawingml/2006/main" xmlns:r="http://schemas.openxmlformats.org/officeDocument/2006/relationships" xmlns:p="http://schemas.openxmlformats.org/presentationml/2006/main">
+  <p:cSld>
+    <p:spTree>
+      <p:nvGrpSpPr>
+        <p:cNvPr id="1" name=""/>
+        <p:cNvGrpSpPr/>
+        <p:nvPr/>
+      </p:nvGrpSpPr>
+      <p:grpSpPr>
+        <a:xfrm>
+          <a:off x="0" y="0"/>
+          <a:ext cx="0" cy="0"/>
+          <a:chOff x="0" y="0"/>
+          <a:chExt cx="0" cy="0"/>
+        </a:xfrm>
+      </p:grpSpPr>
+      <p:sp>
+        <p:nvSpPr>
+          <p:cNvPr id="2" name="Title 1"/>
+          <p:cNvSpPr>
+            <a:spLocks noGrp="1"/>
+          </p:cNvSpPr>
+          <p:nvPr>
+            <p:ph type="title"/>
+          </p:nvPr>
+        </p:nvSpPr>
+        <p:spPr>
+          <a:xfrm>
+            <a:off x="2286000" y="685800"/>
+            <a:ext cx="4648200" cy="990600"/>
+          </a:xfrm>
+        </p:spPr>
+        <p:txBody>
+          <a:bodyPr>
+            <a:normAutofit/>
+          </a:bodyPr>
+          <a:lstStyle/>
+          <a:p>
+            <a:pPr algn="ctr"/>
+            <a:r>
+              <a:rPr lang="en-US" dirty="0">
+                <a:effectLst/>
+              </a:rPr>
+              <a:t>Update button*</a:t>
+            </a:r>
+          </a:p>
+        </p:txBody>
+      </p:sp>
+      <p:sp>
+        <p:nvSpPr>
+          <p:cNvPr id="3" name="Text Placeholder 2"/>
+          <p:cNvSpPr>
+            <a:spLocks noGrp="1"/>
+          </p:cNvSpPr>
+          <p:nvPr>
+            <p:ph type="body" idx="1"/>
+          </p:nvPr>
+        </p:nvSpPr>
+        <p:spPr>
+          <a:xfrm>
+            <a:off x="381000" y="1752600"/>
+            <a:ext cx="3352800" cy="4038600"/>
+          </a:xfrm>
+        </p:spPr>
+        <p:txBody>
+          <a:bodyPr/>
+          <a:lstStyle/>
+          <a:p>
+            <a:pPr lvl="1" algn="ctr"/>
+            <a:r>
+              <a:rPr lang="en-US" dirty="0"/>
+              <a:t>Adding a button to the body and refresh the button at this time will not do anything because there is not a function of what the button does.</a:t>
+            </a:r>
+          </a:p>
+          <a:p>
+            <a:pPr lvl="1" algn="ctr"/>
+            <a:r>
+              <a:rPr lang="en-US" dirty="0"/>
+              <a:t>We will add the   </a:t>
+            </a:r>
+            <a:r>
+              <a:rPr lang="en-US" dirty="0" err="1"/>
+              <a:t>updateChart</a:t>
+            </a:r>
+            <a:r>
+              <a:rPr lang="en-US" dirty="0"/>
+              <a:t>()  function shown so that when clicked it will add the value that you put into the chart. </a:t>
+            </a:r>
+          </a:p>
+          <a:p>
+            <a:pPr lvl="1" algn="ctr"/>
+            <a:endParaRPr lang="en-US" dirty="0"/>
+          </a:p>
+        </p:txBody>
+      </p:sp>
       <p:pic>
         <p:nvPicPr>
-          <p:cNvPr id="7171" name="Picture 3"/>
+          <p:cNvPr id="7170" name="Picture 2"/>
           <p:cNvPicPr>
             <a:picLocks noChangeAspect="1" noChangeArrowheads="1"/>
           </p:cNvPicPr>
           <p:nvPr/>
         </p:nvPicPr>
         <p:blipFill>
-          <a:blip r:embed="rId3">
+          <a:blip r:embed="rId2">
             <a:extLst>
               <a:ext uri="{28A0092B-C50C-407E-A947-70E740481C1C}">
                 <a14:useLocalDpi xmlns:a14="http://schemas.microsoft.com/office/drawing/2010/main" val="0"/>
@@ -4626,8 +4928,8 @@
         </p:blipFill>
         <p:spPr bwMode="auto">
           <a:xfrm>
-            <a:off x="4051299" y="3124200"/>
-            <a:ext cx="4952999" cy="3249613"/>
+            <a:off x="4051300" y="1600200"/>
+            <a:ext cx="4953000" cy="1524000"/>
           </a:xfrm>
           <a:prstGeom prst="rect">
             <a:avLst/>
@@ -4667,150 +4969,16 @@
           </a:extLst>
         </p:spPr>
       </p:pic>
-    </p:spTree>
-    <p:extLst>
-      <p:ext uri="{BB962C8B-B14F-4D97-AF65-F5344CB8AC3E}">
-        <p14:creationId xmlns:p14="http://schemas.microsoft.com/office/powerpoint/2010/main" val="2165085686"/>
-      </p:ext>
-    </p:extLst>
-  </p:cSld>
-  <p:clrMapOvr>
-    <a:masterClrMapping/>
-  </p:clrMapOvr>
-</p:sld>
-</file>
-
-<file path=ppt/slides/slide14.xml><?xml version="1.0" encoding="utf-8"?>
-<p:sld xmlns:a="http://schemas.openxmlformats.org/drawingml/2006/main" xmlns:r="http://schemas.openxmlformats.org/officeDocument/2006/relationships" xmlns:p="http://schemas.openxmlformats.org/presentationml/2006/main">
-  <p:cSld>
-    <p:spTree>
-      <p:nvGrpSpPr>
-        <p:cNvPr id="1" name=""/>
-        <p:cNvGrpSpPr/>
-        <p:nvPr/>
-      </p:nvGrpSpPr>
-      <p:grpSpPr>
-        <a:xfrm>
-          <a:off x="0" y="0"/>
-          <a:ext cx="0" cy="0"/>
-          <a:chOff x="0" y="0"/>
-          <a:chExt cx="0" cy="0"/>
-        </a:xfrm>
-      </p:grpSpPr>
-      <p:sp>
-        <p:nvSpPr>
-          <p:cNvPr id="2" name="Title 1"/>
-          <p:cNvSpPr>
-            <a:spLocks noGrp="1"/>
-          </p:cNvSpPr>
-          <p:nvPr>
-            <p:ph type="title"/>
-          </p:nvPr>
-        </p:nvSpPr>
-        <p:spPr>
-          <a:xfrm>
-            <a:off x="2217737" y="685800"/>
-            <a:ext cx="4648200" cy="990600"/>
-          </a:xfrm>
-        </p:spPr>
-        <p:txBody>
-          <a:bodyPr>
-            <a:normAutofit/>
-          </a:bodyPr>
-          <a:lstStyle/>
-          <a:p>
-            <a:pPr algn="ctr"/>
-            <a:r>
-              <a:rPr lang="en-US" dirty="0" smtClean="0">
-                <a:effectLst/>
-              </a:rPr>
-              <a:t>Demo example </a:t>
-            </a:r>
-            <a:r>
-              <a:rPr lang="en-US" dirty="0">
-                <a:effectLst/>
-              </a:rPr>
-              <a:t>8</a:t>
-            </a:r>
-          </a:p>
-        </p:txBody>
-      </p:sp>
-      <p:sp>
-        <p:nvSpPr>
-          <p:cNvPr id="3" name="Text Placeholder 2"/>
-          <p:cNvSpPr>
-            <a:spLocks noGrp="1"/>
-          </p:cNvSpPr>
-          <p:nvPr>
-            <p:ph type="body" idx="1"/>
-          </p:nvPr>
-        </p:nvSpPr>
-        <p:spPr>
-          <a:xfrm>
-            <a:off x="1455737" y="1828800"/>
-            <a:ext cx="6172200" cy="2133934"/>
-          </a:xfrm>
-        </p:spPr>
-        <p:txBody>
-          <a:bodyPr/>
-          <a:lstStyle/>
-          <a:p>
-            <a:pPr lvl="1" algn="ctr"/>
-            <a:r>
-              <a:rPr lang="en-US" dirty="0" smtClean="0"/>
-              <a:t>Now you probably noticed that when you update the gauge chart that there is no color well we still have to add it so we will add this line of Code:</a:t>
-            </a:r>
-          </a:p>
-          <a:p>
-            <a:pPr lvl="1" algn="ctr"/>
-            <a:r>
-              <a:rPr lang="en-US" dirty="0" err="1"/>
-              <a:t>chart.data.datasets</a:t>
-            </a:r>
-            <a:r>
-              <a:rPr lang="en-US" dirty="0"/>
-              <a:t>[0].</a:t>
-            </a:r>
-            <a:r>
-              <a:rPr lang="en-US" dirty="0" err="1"/>
-              <a:t>backgroundColor.push</a:t>
-            </a:r>
-            <a:r>
-              <a:rPr lang="en-US" dirty="0"/>
-              <a:t>(“blue</a:t>
-            </a:r>
-            <a:r>
-              <a:rPr lang="en-US" dirty="0" smtClean="0"/>
-              <a:t>”);</a:t>
-            </a:r>
-          </a:p>
-          <a:p>
-            <a:pPr lvl="1" algn="ctr"/>
-            <a:endParaRPr lang="en-US" dirty="0" smtClean="0"/>
-          </a:p>
-          <a:p>
-            <a:pPr lvl="1" algn="ctr"/>
-            <a:r>
-              <a:rPr lang="en-US" dirty="0" smtClean="0"/>
-              <a:t>Then it will look like the example below.</a:t>
-            </a:r>
-          </a:p>
-          <a:p>
-            <a:pPr lvl="1" algn="ctr"/>
-            <a:endParaRPr lang="en-US" dirty="0" smtClean="0"/>
-          </a:p>
-        </p:txBody>
-      </p:sp>
       <p:pic>
         <p:nvPicPr>
-          <p:cNvPr id="8194" name="Picture 2"/>
+          <p:cNvPr id="7171" name="Picture 3"/>
           <p:cNvPicPr>
             <a:picLocks noChangeAspect="1" noChangeArrowheads="1"/>
           </p:cNvPicPr>
           <p:nvPr/>
         </p:nvPicPr>
         <p:blipFill>
-          <a:blip r:embed="rId2">
+          <a:blip r:embed="rId3">
             <a:extLst>
               <a:ext uri="{28A0092B-C50C-407E-A947-70E740481C1C}">
                 <a14:useLocalDpi xmlns:a14="http://schemas.microsoft.com/office/drawing/2010/main" val="0"/>
@@ -4824,8 +4992,8 @@
         </p:blipFill>
         <p:spPr bwMode="auto">
           <a:xfrm>
-            <a:off x="2514600" y="4038600"/>
-            <a:ext cx="4054475" cy="2704765"/>
+            <a:off x="4051299" y="3124200"/>
+            <a:ext cx="4952999" cy="3249613"/>
           </a:xfrm>
           <a:prstGeom prst="rect">
             <a:avLst/>
@@ -4865,10 +5033,45 @@
           </a:extLst>
         </p:spPr>
       </p:pic>
+      <p:sp>
+        <p:nvSpPr>
+          <p:cNvPr id="4" name="TextBox 3">
+            <a:extLst>
+              <a:ext uri="{FF2B5EF4-FFF2-40B4-BE49-F238E27FC236}">
+                <a16:creationId xmlns:a16="http://schemas.microsoft.com/office/drawing/2014/main" id="{990A4E50-F0A5-4C3C-889D-DA857998A355}"/>
+              </a:ext>
+            </a:extLst>
+          </p:cNvPr>
+          <p:cNvSpPr txBox="1"/>
+          <p:nvPr/>
+        </p:nvSpPr>
+        <p:spPr>
+          <a:xfrm>
+            <a:off x="0" y="6096000"/>
+            <a:ext cx="2590800" cy="369332"/>
+          </a:xfrm>
+          <a:prstGeom prst="rect">
+            <a:avLst/>
+          </a:prstGeom>
+          <a:noFill/>
+        </p:spPr>
+        <p:txBody>
+          <a:bodyPr wrap="square" rtlCol="0">
+            <a:spAutoFit/>
+          </a:bodyPr>
+          <a:lstStyle/>
+          <a:p>
+            <a:r>
+              <a:rPr lang="en-US" dirty="0"/>
+              <a:t>*This is for extra credit</a:t>
+            </a:r>
+          </a:p>
+        </p:txBody>
+      </p:sp>
     </p:spTree>
     <p:extLst>
       <p:ext uri="{BB962C8B-B14F-4D97-AF65-F5344CB8AC3E}">
-        <p14:creationId xmlns:p14="http://schemas.microsoft.com/office/powerpoint/2010/main" val="327127332"/>
+        <p14:creationId xmlns:p14="http://schemas.microsoft.com/office/powerpoint/2010/main" val="2165085686"/>
       </p:ext>
     </p:extLst>
   </p:cSld>
@@ -4907,8 +5110,8 @@
         </p:nvSpPr>
         <p:spPr>
           <a:xfrm>
-            <a:off x="2743200" y="1676400"/>
-            <a:ext cx="3429000" cy="3124200"/>
+            <a:off x="2217737" y="685800"/>
+            <a:ext cx="4648200" cy="990600"/>
           </a:xfrm>
         </p:spPr>
         <p:txBody>
@@ -4919,975 +5122,79 @@
           <a:p>
             <a:pPr algn="ctr"/>
             <a:r>
-              <a:rPr lang="en-US" dirty="0" smtClean="0">
+              <a:rPr lang="en-US" dirty="0">
                 <a:effectLst/>
               </a:rPr>
-              <a:t/>
-            </a:r>
-            <a:br>
-              <a:rPr lang="en-US" dirty="0" smtClean="0">
-                <a:effectLst/>
-              </a:rPr>
-            </a:br>
-            <a:r>
-              <a:rPr lang="en-US" sz="4700" dirty="0" smtClean="0">
-                <a:effectLst/>
-              </a:rPr>
-              <a:t>Any Questions?</a:t>
-            </a:r>
-            <a:endParaRPr lang="en-US" dirty="0">
-              <a:effectLst/>
-            </a:endParaRPr>
-          </a:p>
-        </p:txBody>
-      </p:sp>
-    </p:spTree>
-    <p:extLst>
-      <p:ext uri="{BB962C8B-B14F-4D97-AF65-F5344CB8AC3E}">
-        <p14:creationId xmlns:p14="http://schemas.microsoft.com/office/powerpoint/2010/main" val="2819087868"/>
-      </p:ext>
-    </p:extLst>
-  </p:cSld>
-  <p:clrMapOvr>
-    <a:masterClrMapping/>
-  </p:clrMapOvr>
-</p:sld>
-</file>
-
-<file path=ppt/slides/slide2.xml><?xml version="1.0" encoding="utf-8"?>
-<p:sld xmlns:a="http://schemas.openxmlformats.org/drawingml/2006/main" xmlns:r="http://schemas.openxmlformats.org/officeDocument/2006/relationships" xmlns:p="http://schemas.openxmlformats.org/presentationml/2006/main">
-  <p:cSld>
-    <p:spTree>
-      <p:nvGrpSpPr>
-        <p:cNvPr id="1" name=""/>
-        <p:cNvGrpSpPr/>
-        <p:nvPr/>
-      </p:nvGrpSpPr>
-      <p:grpSpPr>
-        <a:xfrm>
-          <a:off x="0" y="0"/>
-          <a:ext cx="0" cy="0"/>
-          <a:chOff x="0" y="0"/>
-          <a:chExt cx="0" cy="0"/>
-        </a:xfrm>
-      </p:grpSpPr>
-      <p:sp>
-        <p:nvSpPr>
-          <p:cNvPr id="2" name="Title 1"/>
-          <p:cNvSpPr>
-            <a:spLocks noGrp="1"/>
-          </p:cNvSpPr>
-          <p:nvPr>
-            <p:ph type="title"/>
+              <a:t>Updated Graph</a:t>
+            </a:r>
+          </a:p>
+        </p:txBody>
+      </p:sp>
+      <p:sp>
+        <p:nvSpPr>
+          <p:cNvPr id="3" name="Text Placeholder 2"/>
+          <p:cNvSpPr>
+            <a:spLocks noGrp="1"/>
+          </p:cNvSpPr>
+          <p:nvPr>
+            <p:ph type="body" idx="1"/>
           </p:nvPr>
         </p:nvSpPr>
         <p:spPr>
           <a:xfrm>
-            <a:off x="2743200" y="304800"/>
-            <a:ext cx="3581400" cy="1485900"/>
-          </a:xfrm>
-        </p:spPr>
-        <p:txBody>
-          <a:bodyPr>
-            <a:normAutofit/>
-          </a:bodyPr>
-          <a:lstStyle/>
-          <a:p>
-            <a:pPr algn="ctr"/>
-            <a:r>
-              <a:rPr lang="en-US" dirty="0" smtClean="0">
-                <a:effectLst/>
-              </a:rPr>
-              <a:t>Learning Outcomes </a:t>
-            </a:r>
-            <a:endParaRPr lang="en-US" dirty="0">
-              <a:effectLst/>
-            </a:endParaRPr>
-          </a:p>
-        </p:txBody>
-      </p:sp>
-      <p:sp>
-        <p:nvSpPr>
-          <p:cNvPr id="3" name="TextBox 2"/>
-          <p:cNvSpPr txBox="1"/>
-          <p:nvPr/>
-        </p:nvSpPr>
-        <p:spPr>
-          <a:xfrm>
-            <a:off x="914400" y="1905000"/>
-            <a:ext cx="7543800" cy="4708981"/>
-          </a:xfrm>
-          <a:prstGeom prst="rect">
-            <a:avLst/>
-          </a:prstGeom>
-          <a:noFill/>
-        </p:spPr>
-        <p:txBody>
-          <a:bodyPr wrap="square" rtlCol="0">
-            <a:spAutoFit/>
-          </a:bodyPr>
-          <a:lstStyle/>
-          <a:p>
-            <a:pPr marL="342900" lvl="0" indent="-342900">
-              <a:buFont typeface="Arial" panose="020B0604020202020204" pitchFamily="34" charset="0"/>
-              <a:buChar char="•"/>
-            </a:pPr>
-            <a:r>
-              <a:rPr lang="en-US" sz="2000" dirty="0"/>
-              <a:t>The student will demonstrate understanding the basics of bootstrap and Chart.js</a:t>
-            </a:r>
-            <a:r>
-              <a:rPr lang="en-US" sz="2000" dirty="0" smtClean="0"/>
-              <a:t>.</a:t>
-            </a:r>
-          </a:p>
-          <a:p>
-            <a:pPr marL="342900" lvl="0" indent="-342900">
-              <a:buFont typeface="Arial" panose="020B0604020202020204" pitchFamily="34" charset="0"/>
-              <a:buChar char="•"/>
-            </a:pPr>
-            <a:endParaRPr lang="en-US" sz="2000" dirty="0"/>
-          </a:p>
-          <a:p>
-            <a:pPr marL="342900" lvl="0" indent="-342900">
-              <a:buFont typeface="Arial" panose="020B0604020202020204" pitchFamily="34" charset="0"/>
-              <a:buChar char="•"/>
-            </a:pPr>
-            <a:r>
-              <a:rPr lang="en-US" sz="2000" dirty="0"/>
-              <a:t>The student will learn how to change a chart and implement several functions</a:t>
-            </a:r>
-            <a:r>
-              <a:rPr lang="en-US" sz="2000" dirty="0" smtClean="0"/>
-              <a:t>.</a:t>
-            </a:r>
-          </a:p>
-          <a:p>
-            <a:pPr marL="342900" lvl="0" indent="-342900">
-              <a:buFont typeface="Arial" panose="020B0604020202020204" pitchFamily="34" charset="0"/>
-              <a:buChar char="•"/>
-            </a:pPr>
-            <a:endParaRPr lang="en-US" sz="2000" dirty="0"/>
-          </a:p>
-          <a:p>
-            <a:pPr marL="342900" lvl="0" indent="-342900">
-              <a:buFont typeface="Arial" panose="020B0604020202020204" pitchFamily="34" charset="0"/>
-              <a:buChar char="•"/>
-            </a:pPr>
-            <a:r>
-              <a:rPr lang="en-US" sz="2000" dirty="0"/>
-              <a:t>The student will learn how to create an update button to update the chart. </a:t>
-            </a:r>
-            <a:endParaRPr lang="en-US" sz="2000" dirty="0" smtClean="0"/>
-          </a:p>
-          <a:p>
-            <a:pPr marL="342900" lvl="0" indent="-342900">
-              <a:buFont typeface="Arial" panose="020B0604020202020204" pitchFamily="34" charset="0"/>
-              <a:buChar char="•"/>
-            </a:pPr>
-            <a:endParaRPr lang="en-US" sz="2000" dirty="0"/>
-          </a:p>
-          <a:p>
-            <a:pPr marL="342900" lvl="0" indent="-342900">
-              <a:buFont typeface="Arial" panose="020B0604020202020204" pitchFamily="34" charset="0"/>
-              <a:buChar char="•"/>
-            </a:pPr>
-            <a:r>
-              <a:rPr lang="en-US" sz="2000" dirty="0"/>
-              <a:t>The student then will demonstrate what they have learned by creating a chart on their </a:t>
-            </a:r>
-            <a:r>
-              <a:rPr lang="en-US" sz="2000" dirty="0" smtClean="0"/>
-              <a:t>own</a:t>
-            </a:r>
-          </a:p>
-          <a:p>
-            <a:pPr marL="342900" lvl="0" indent="-342900">
-              <a:buFont typeface="Arial" panose="020B0604020202020204" pitchFamily="34" charset="0"/>
-              <a:buChar char="•"/>
-            </a:pPr>
-            <a:endParaRPr lang="en-US" sz="2000" dirty="0"/>
-          </a:p>
-          <a:p>
-            <a:pPr marL="342900" lvl="0" indent="-342900">
-              <a:buFont typeface="Arial" panose="020B0604020202020204" pitchFamily="34" charset="0"/>
-              <a:buChar char="•"/>
-            </a:pPr>
-            <a:r>
-              <a:rPr lang="en-US" sz="2000" dirty="0"/>
-              <a:t>The student will then reflect on what they have learned with a short assessment</a:t>
-            </a:r>
-          </a:p>
-          <a:p>
-            <a:pPr algn="ctr"/>
-            <a:endParaRPr lang="en-US" sz="2000" i="1" dirty="0">
-              <a:latin typeface="Arial (Body)"/>
-            </a:endParaRPr>
-          </a:p>
-        </p:txBody>
-      </p:sp>
-    </p:spTree>
-    <p:extLst>
-      <p:ext uri="{BB962C8B-B14F-4D97-AF65-F5344CB8AC3E}">
-        <p14:creationId xmlns:p14="http://schemas.microsoft.com/office/powerpoint/2010/main" val="1759568197"/>
-      </p:ext>
-    </p:extLst>
-  </p:cSld>
-  <p:clrMapOvr>
-    <a:masterClrMapping/>
-  </p:clrMapOvr>
-</p:sld>
-</file>
-
-<file path=ppt/slides/slide3.xml><?xml version="1.0" encoding="utf-8"?>
-<p:sld xmlns:a="http://schemas.openxmlformats.org/drawingml/2006/main" xmlns:r="http://schemas.openxmlformats.org/officeDocument/2006/relationships" xmlns:p="http://schemas.openxmlformats.org/presentationml/2006/main">
-  <p:cSld>
-    <p:spTree>
-      <p:nvGrpSpPr>
-        <p:cNvPr id="1" name=""/>
-        <p:cNvGrpSpPr/>
-        <p:nvPr/>
-      </p:nvGrpSpPr>
-      <p:grpSpPr>
-        <a:xfrm>
-          <a:off x="0" y="0"/>
-          <a:ext cx="0" cy="0"/>
-          <a:chOff x="0" y="0"/>
-          <a:chExt cx="0" cy="0"/>
-        </a:xfrm>
-      </p:grpSpPr>
-      <p:sp>
-        <p:nvSpPr>
-          <p:cNvPr id="2" name="Title 1"/>
-          <p:cNvSpPr>
-            <a:spLocks noGrp="1"/>
-          </p:cNvSpPr>
-          <p:nvPr>
-            <p:ph type="ctrTitle"/>
-          </p:nvPr>
-        </p:nvSpPr>
-        <p:spPr>
-          <a:xfrm>
-            <a:off x="2057400" y="609600"/>
-            <a:ext cx="4953000" cy="1600200"/>
-          </a:xfrm>
-          <a:ln>
-            <a:noFill/>
-          </a:ln>
-        </p:spPr>
-        <p:txBody>
-          <a:bodyPr>
-            <a:normAutofit/>
-          </a:bodyPr>
-          <a:lstStyle/>
-          <a:p>
-            <a:pPr algn="ctr"/>
-            <a:r>
-              <a:rPr lang="en-US" sz="4400" b="0" i="1" dirty="0" smtClean="0">
-                <a:solidFill>
-                  <a:srgbClr val="20B2E0"/>
-                </a:solidFill>
-              </a:rPr>
-              <a:t>Bootstrap</a:t>
-            </a:r>
-            <a:r>
-              <a:rPr lang="en-US" sz="4400" b="0" i="1" dirty="0" smtClean="0">
-                <a:solidFill>
-                  <a:srgbClr val="20B2E0"/>
-                </a:solidFill>
-              </a:rPr>
-              <a:t/>
-            </a:r>
-            <a:br>
-              <a:rPr lang="en-US" sz="4400" b="0" i="1" dirty="0" smtClean="0">
-                <a:solidFill>
-                  <a:srgbClr val="20B2E0"/>
-                </a:solidFill>
-              </a:rPr>
-            </a:br>
-            <a:r>
-              <a:rPr lang="en-US" sz="4400" b="0" i="1" dirty="0" smtClean="0">
-                <a:solidFill>
-                  <a:srgbClr val="20B2E0"/>
-                </a:solidFill>
-              </a:rPr>
-              <a:t>Explanation</a:t>
-            </a:r>
-            <a:endParaRPr lang="en-US" sz="4400" b="0" i="1" dirty="0">
-              <a:solidFill>
-                <a:srgbClr val="20B2E0"/>
-              </a:solidFill>
-            </a:endParaRPr>
-          </a:p>
-        </p:txBody>
-      </p:sp>
-      <p:sp>
-        <p:nvSpPr>
-          <p:cNvPr id="3" name="Subtitle 2"/>
-          <p:cNvSpPr>
-            <a:spLocks noGrp="1"/>
-          </p:cNvSpPr>
-          <p:nvPr>
-            <p:ph type="subTitle" idx="1"/>
-          </p:nvPr>
-        </p:nvSpPr>
-        <p:spPr>
-          <a:xfrm>
-            <a:off x="533400" y="2590800"/>
-            <a:ext cx="7696200" cy="3657600"/>
-          </a:xfrm>
-        </p:spPr>
-        <p:txBody>
-          <a:bodyPr>
-            <a:normAutofit/>
-          </a:bodyPr>
-          <a:lstStyle/>
-          <a:p>
-            <a:pPr algn="ctr"/>
-            <a:r>
-              <a:rPr lang="en-US" dirty="0">
-                <a:latin typeface="Times New Roman" panose="02020603050405020304" pitchFamily="18" charset="0"/>
-                <a:cs typeface="Times New Roman" panose="02020603050405020304" pitchFamily="18" charset="0"/>
-              </a:rPr>
-              <a:t> </a:t>
-            </a:r>
-            <a:r>
-              <a:rPr lang="en-US" sz="2400" dirty="0">
-                <a:latin typeface="Times New Roman" panose="02020603050405020304" pitchFamily="18" charset="0"/>
-                <a:cs typeface="Times New Roman" panose="02020603050405020304" pitchFamily="18" charset="0"/>
-              </a:rPr>
-              <a:t>Bootstrap is a potent front-end framework used to create modern websites and web apps. </a:t>
-            </a:r>
-            <a:endParaRPr lang="en-US" sz="2400" dirty="0" smtClean="0">
-              <a:latin typeface="Times New Roman" panose="02020603050405020304" pitchFamily="18" charset="0"/>
-              <a:cs typeface="Times New Roman" panose="02020603050405020304" pitchFamily="18" charset="0"/>
-            </a:endParaRPr>
-          </a:p>
-          <a:p>
-            <a:pPr algn="ctr"/>
-            <a:r>
-              <a:rPr lang="en-US" sz="2400" dirty="0" smtClean="0">
-                <a:latin typeface="Times New Roman" panose="02020603050405020304" pitchFamily="18" charset="0"/>
-                <a:cs typeface="Times New Roman" panose="02020603050405020304" pitchFamily="18" charset="0"/>
-              </a:rPr>
-              <a:t>It's </a:t>
-            </a:r>
-            <a:r>
-              <a:rPr lang="en-US" sz="2400" dirty="0">
-                <a:latin typeface="Times New Roman" panose="02020603050405020304" pitchFamily="18" charset="0"/>
-                <a:cs typeface="Times New Roman" panose="02020603050405020304" pitchFamily="18" charset="0"/>
-              </a:rPr>
-              <a:t>open-source and free to use, yet features numerous HTML and CSS templates for UI interface elements such as buttons and forms. </a:t>
-            </a:r>
-            <a:endParaRPr lang="en-US" sz="2400" dirty="0" smtClean="0">
-              <a:latin typeface="Times New Roman" panose="02020603050405020304" pitchFamily="18" charset="0"/>
-              <a:cs typeface="Times New Roman" panose="02020603050405020304" pitchFamily="18" charset="0"/>
-            </a:endParaRPr>
-          </a:p>
-          <a:p>
-            <a:pPr algn="ctr"/>
-            <a:r>
-              <a:rPr lang="en-US" sz="2400" dirty="0" smtClean="0">
-                <a:latin typeface="Times New Roman" panose="02020603050405020304" pitchFamily="18" charset="0"/>
-                <a:cs typeface="Times New Roman" panose="02020603050405020304" pitchFamily="18" charset="0"/>
-              </a:rPr>
-              <a:t>Bootstrap</a:t>
-            </a:r>
-            <a:r>
-              <a:rPr lang="en-US" sz="2400" dirty="0">
-                <a:latin typeface="Times New Roman" panose="02020603050405020304" pitchFamily="18" charset="0"/>
-                <a:cs typeface="Times New Roman" panose="02020603050405020304" pitchFamily="18" charset="0"/>
-              </a:rPr>
-              <a:t> also supports JavaScript extensions</a:t>
-            </a:r>
-            <a:r>
-              <a:rPr lang="en-US" sz="2400" dirty="0" smtClean="0">
-                <a:latin typeface="Times New Roman" panose="02020603050405020304" pitchFamily="18" charset="0"/>
-                <a:cs typeface="Times New Roman" panose="02020603050405020304" pitchFamily="18" charset="0"/>
-              </a:rPr>
-              <a:t>.</a:t>
-            </a:r>
-          </a:p>
-          <a:p>
-            <a:pPr algn="ctr"/>
-            <a:endParaRPr lang="en-US" sz="2400" b="1" dirty="0">
-              <a:solidFill>
-                <a:schemeClr val="tx1"/>
-              </a:solidFill>
-            </a:endParaRPr>
-          </a:p>
-          <a:p>
-            <a:pPr algn="ctr"/>
-            <a:endParaRPr lang="en-US" sz="2400" b="1" dirty="0">
-              <a:solidFill>
-                <a:schemeClr val="tx1"/>
-              </a:solidFill>
-            </a:endParaRPr>
-          </a:p>
-        </p:txBody>
-      </p:sp>
-    </p:spTree>
-    <p:extLst>
-      <p:ext uri="{BB962C8B-B14F-4D97-AF65-F5344CB8AC3E}">
-        <p14:creationId xmlns:p14="http://schemas.microsoft.com/office/powerpoint/2010/main" val="2134206316"/>
-      </p:ext>
-    </p:extLst>
-  </p:cSld>
-  <p:clrMapOvr>
-    <a:masterClrMapping/>
-  </p:clrMapOvr>
-</p:sld>
-</file>
-
-<file path=ppt/slides/slide4.xml><?xml version="1.0" encoding="utf-8"?>
-<p:sld xmlns:a="http://schemas.openxmlformats.org/drawingml/2006/main" xmlns:r="http://schemas.openxmlformats.org/officeDocument/2006/relationships" xmlns:p="http://schemas.openxmlformats.org/presentationml/2006/main">
-  <p:cSld>
-    <p:spTree>
-      <p:nvGrpSpPr>
-        <p:cNvPr id="1" name=""/>
-        <p:cNvGrpSpPr/>
-        <p:nvPr/>
-      </p:nvGrpSpPr>
-      <p:grpSpPr>
-        <a:xfrm>
-          <a:off x="0" y="0"/>
-          <a:ext cx="0" cy="0"/>
-          <a:chOff x="0" y="0"/>
-          <a:chExt cx="0" cy="0"/>
-        </a:xfrm>
-      </p:grpSpPr>
-      <p:sp>
-        <p:nvSpPr>
-          <p:cNvPr id="2" name="Title 1"/>
-          <p:cNvSpPr>
-            <a:spLocks noGrp="1"/>
-          </p:cNvSpPr>
-          <p:nvPr>
-            <p:ph type="ctrTitle"/>
-          </p:nvPr>
-        </p:nvSpPr>
-        <p:spPr>
-          <a:xfrm>
-            <a:off x="2057400" y="609600"/>
-            <a:ext cx="4953000" cy="1600200"/>
-          </a:xfrm>
-          <a:ln>
-            <a:noFill/>
-          </a:ln>
-        </p:spPr>
-        <p:txBody>
-          <a:bodyPr>
-            <a:normAutofit/>
-          </a:bodyPr>
-          <a:lstStyle/>
-          <a:p>
-            <a:pPr algn="ctr"/>
-            <a:r>
-              <a:rPr lang="en-US" sz="4400" b="0" i="1" dirty="0" smtClean="0">
-                <a:solidFill>
-                  <a:srgbClr val="20B2E0"/>
-                </a:solidFill>
-              </a:rPr>
-              <a:t>Chart. </a:t>
-            </a:r>
-            <a:r>
-              <a:rPr lang="en-US" sz="4400" b="0" i="1" dirty="0" err="1" smtClean="0">
-                <a:solidFill>
-                  <a:srgbClr val="20B2E0"/>
-                </a:solidFill>
-              </a:rPr>
-              <a:t>Js</a:t>
-            </a:r>
-            <a:r>
-              <a:rPr lang="en-US" sz="4400" b="0" i="1" dirty="0" smtClean="0">
-                <a:solidFill>
-                  <a:srgbClr val="20B2E0"/>
-                </a:solidFill>
-              </a:rPr>
-              <a:t/>
-            </a:r>
-            <a:br>
-              <a:rPr lang="en-US" sz="4400" b="0" i="1" dirty="0" smtClean="0">
-                <a:solidFill>
-                  <a:srgbClr val="20B2E0"/>
-                </a:solidFill>
-              </a:rPr>
-            </a:br>
-            <a:r>
-              <a:rPr lang="en-US" sz="4400" b="0" i="1" dirty="0" smtClean="0">
-                <a:solidFill>
-                  <a:srgbClr val="20B2E0"/>
-                </a:solidFill>
-              </a:rPr>
-              <a:t>Explanation</a:t>
-            </a:r>
-            <a:endParaRPr lang="en-US" sz="4400" b="0" i="1" dirty="0">
-              <a:solidFill>
-                <a:srgbClr val="20B2E0"/>
-              </a:solidFill>
-            </a:endParaRPr>
-          </a:p>
-        </p:txBody>
-      </p:sp>
-      <p:sp>
-        <p:nvSpPr>
-          <p:cNvPr id="3" name="Subtitle 2"/>
-          <p:cNvSpPr>
-            <a:spLocks noGrp="1"/>
-          </p:cNvSpPr>
-          <p:nvPr>
-            <p:ph type="subTitle" idx="1"/>
-          </p:nvPr>
-        </p:nvSpPr>
-        <p:spPr>
-          <a:xfrm>
-            <a:off x="990600" y="2209800"/>
-            <a:ext cx="7162800" cy="2743200"/>
-          </a:xfrm>
-        </p:spPr>
-        <p:txBody>
-          <a:bodyPr>
-            <a:noAutofit/>
-          </a:bodyPr>
-          <a:lstStyle/>
-          <a:p>
-            <a:pPr algn="ctr"/>
-            <a:r>
-              <a:rPr lang="en-US" sz="2400" dirty="0" smtClean="0">
-                <a:latin typeface="Times New Roman" panose="02020603050405020304" pitchFamily="18" charset="0"/>
-                <a:cs typeface="Times New Roman" panose="02020603050405020304" pitchFamily="18" charset="0"/>
-              </a:rPr>
-              <a:t>Chart.js </a:t>
-            </a:r>
-            <a:r>
-              <a:rPr lang="en-US" sz="2400" dirty="0">
-                <a:latin typeface="Times New Roman" panose="02020603050405020304" pitchFamily="18" charset="0"/>
-                <a:cs typeface="Times New Roman" panose="02020603050405020304" pitchFamily="18" charset="0"/>
-              </a:rPr>
-              <a:t>renders in </a:t>
-            </a:r>
-            <a:r>
-              <a:rPr lang="en-US" sz="2400" dirty="0" smtClean="0">
-                <a:latin typeface="Times New Roman" panose="02020603050405020304" pitchFamily="18" charset="0"/>
-                <a:cs typeface="Times New Roman" panose="02020603050405020304" pitchFamily="18" charset="0"/>
-              </a:rPr>
-              <a:t>HTML 5</a:t>
-            </a:r>
-            <a:r>
-              <a:rPr lang="en-US" sz="2400" dirty="0">
-                <a:latin typeface="Times New Roman" panose="02020603050405020304" pitchFamily="18" charset="0"/>
-                <a:cs typeface="Times New Roman" panose="02020603050405020304" pitchFamily="18" charset="0"/>
-              </a:rPr>
-              <a:t> </a:t>
-            </a:r>
-            <a:r>
-              <a:rPr lang="en-US" sz="2400" dirty="0" smtClean="0">
-                <a:latin typeface="Times New Roman" panose="02020603050405020304" pitchFamily="18" charset="0"/>
-                <a:cs typeface="Times New Roman" panose="02020603050405020304" pitchFamily="18" charset="0"/>
-              </a:rPr>
-              <a:t>canvas</a:t>
-            </a:r>
-            <a:r>
-              <a:rPr lang="en-US" sz="2400" dirty="0">
-                <a:latin typeface="Times New Roman" panose="02020603050405020304" pitchFamily="18" charset="0"/>
-                <a:cs typeface="Times New Roman" panose="02020603050405020304" pitchFamily="18" charset="0"/>
-              </a:rPr>
-              <a:t> and is widely covered as one of the best data visualization </a:t>
-            </a:r>
-            <a:r>
-              <a:rPr lang="en-US" sz="2400" dirty="0" smtClean="0">
-                <a:latin typeface="Times New Roman" panose="02020603050405020304" pitchFamily="18" charset="0"/>
-                <a:cs typeface="Times New Roman" panose="02020603050405020304" pitchFamily="18" charset="0"/>
-              </a:rPr>
-              <a:t>libraries.</a:t>
-            </a:r>
-          </a:p>
-          <a:p>
-            <a:pPr algn="ctr"/>
-            <a:endParaRPr lang="en-US" sz="2400" dirty="0" smtClean="0">
-              <a:latin typeface="Times New Roman" panose="02020603050405020304" pitchFamily="18" charset="0"/>
-              <a:cs typeface="Times New Roman" panose="02020603050405020304" pitchFamily="18" charset="0"/>
-            </a:endParaRPr>
-          </a:p>
-          <a:p>
-            <a:pPr algn="ctr"/>
-            <a:r>
-              <a:rPr lang="en-US" sz="2400" dirty="0">
-                <a:latin typeface="Times New Roman" panose="02020603050405020304" pitchFamily="18" charset="0"/>
-                <a:cs typeface="Times New Roman" panose="02020603050405020304" pitchFamily="18" charset="0"/>
-              </a:rPr>
-              <a:t>Chart.js is a free </a:t>
-            </a:r>
-            <a:r>
-              <a:rPr lang="en-US" sz="2400" dirty="0" smtClean="0">
-                <a:latin typeface="Times New Roman" panose="02020603050405020304" pitchFamily="18" charset="0"/>
-                <a:cs typeface="Times New Roman" panose="02020603050405020304" pitchFamily="18" charset="0"/>
-              </a:rPr>
-              <a:t>open-source JavaScript library</a:t>
-            </a:r>
-            <a:r>
-              <a:rPr lang="en-US" sz="2400" dirty="0">
-                <a:latin typeface="Times New Roman" panose="02020603050405020304" pitchFamily="18" charset="0"/>
-                <a:cs typeface="Times New Roman" panose="02020603050405020304" pitchFamily="18" charset="0"/>
-              </a:rPr>
-              <a:t> </a:t>
-            </a:r>
-            <a:r>
-              <a:rPr lang="en-US" sz="2400" dirty="0" smtClean="0">
-                <a:latin typeface="Times New Roman" panose="02020603050405020304" pitchFamily="18" charset="0"/>
-                <a:cs typeface="Times New Roman" panose="02020603050405020304" pitchFamily="18" charset="0"/>
-              </a:rPr>
-              <a:t>for data visualization, </a:t>
-            </a:r>
-            <a:r>
-              <a:rPr lang="en-US" sz="2400" dirty="0">
-                <a:latin typeface="Times New Roman" panose="02020603050405020304" pitchFamily="18" charset="0"/>
-                <a:cs typeface="Times New Roman" panose="02020603050405020304" pitchFamily="18" charset="0"/>
-              </a:rPr>
-              <a:t>which supports </a:t>
-            </a:r>
-            <a:r>
-              <a:rPr lang="en-US" sz="2400" dirty="0" smtClean="0">
-                <a:latin typeface="Times New Roman" panose="02020603050405020304" pitchFamily="18" charset="0"/>
-                <a:cs typeface="Times New Roman" panose="02020603050405020304" pitchFamily="18" charset="0"/>
-              </a:rPr>
-              <a:t>8 chart</a:t>
-            </a:r>
-            <a:r>
-              <a:rPr lang="en-US" sz="2400" dirty="0">
-                <a:latin typeface="Times New Roman" panose="02020603050405020304" pitchFamily="18" charset="0"/>
-                <a:cs typeface="Times New Roman" panose="02020603050405020304" pitchFamily="18" charset="0"/>
-              </a:rPr>
-              <a:t> types: </a:t>
-            </a:r>
-            <a:r>
-              <a:rPr lang="en-US" sz="2400" dirty="0" smtClean="0">
-                <a:latin typeface="Times New Roman" panose="02020603050405020304" pitchFamily="18" charset="0"/>
-                <a:cs typeface="Times New Roman" panose="02020603050405020304" pitchFamily="18" charset="0"/>
-              </a:rPr>
-              <a:t>bar,</a:t>
-            </a:r>
-            <a:r>
-              <a:rPr lang="en-US" sz="2400" dirty="0">
-                <a:latin typeface="Times New Roman" panose="02020603050405020304" pitchFamily="18" charset="0"/>
-                <a:cs typeface="Times New Roman" panose="02020603050405020304" pitchFamily="18" charset="0"/>
-              </a:rPr>
-              <a:t> </a:t>
-            </a:r>
-            <a:r>
-              <a:rPr lang="en-US" sz="2400" dirty="0" smtClean="0">
-                <a:latin typeface="Times New Roman" panose="02020603050405020304" pitchFamily="18" charset="0"/>
-                <a:cs typeface="Times New Roman" panose="02020603050405020304" pitchFamily="18" charset="0"/>
-              </a:rPr>
-              <a:t>line,</a:t>
-            </a:r>
-            <a:r>
-              <a:rPr lang="en-US" sz="2400" dirty="0">
-                <a:latin typeface="Times New Roman" panose="02020603050405020304" pitchFamily="18" charset="0"/>
-                <a:cs typeface="Times New Roman" panose="02020603050405020304" pitchFamily="18" charset="0"/>
-              </a:rPr>
-              <a:t> </a:t>
-            </a:r>
-            <a:r>
-              <a:rPr lang="en-US" sz="2400" dirty="0" smtClean="0">
-                <a:latin typeface="Times New Roman" panose="02020603050405020304" pitchFamily="18" charset="0"/>
-                <a:cs typeface="Times New Roman" panose="02020603050405020304" pitchFamily="18" charset="0"/>
-              </a:rPr>
-              <a:t>area,</a:t>
-            </a:r>
-            <a:r>
-              <a:rPr lang="en-US" sz="2400" dirty="0">
-                <a:latin typeface="Times New Roman" panose="02020603050405020304" pitchFamily="18" charset="0"/>
-                <a:cs typeface="Times New Roman" panose="02020603050405020304" pitchFamily="18" charset="0"/>
-              </a:rPr>
-              <a:t> </a:t>
-            </a:r>
-            <a:r>
-              <a:rPr lang="en-US" sz="2400" dirty="0" smtClean="0">
-                <a:latin typeface="Times New Roman" panose="02020603050405020304" pitchFamily="18" charset="0"/>
-                <a:cs typeface="Times New Roman" panose="02020603050405020304" pitchFamily="18" charset="0"/>
-              </a:rPr>
-              <a:t>pie</a:t>
-            </a:r>
-            <a:r>
-              <a:rPr lang="en-US" sz="2400" dirty="0">
-                <a:latin typeface="Times New Roman" panose="02020603050405020304" pitchFamily="18" charset="0"/>
-                <a:cs typeface="Times New Roman" panose="02020603050405020304" pitchFamily="18" charset="0"/>
-              </a:rPr>
-              <a:t> </a:t>
-            </a:r>
-            <a:r>
-              <a:rPr lang="en-US" sz="2400" dirty="0" smtClean="0">
-                <a:latin typeface="Times New Roman" panose="02020603050405020304" pitchFamily="18" charset="0"/>
-                <a:cs typeface="Times New Roman" panose="02020603050405020304" pitchFamily="18" charset="0"/>
-              </a:rPr>
-              <a:t>(doughnut),</a:t>
-            </a:r>
-            <a:r>
-              <a:rPr lang="en-US" sz="2400" dirty="0">
-                <a:latin typeface="Times New Roman" panose="02020603050405020304" pitchFamily="18" charset="0"/>
-                <a:cs typeface="Times New Roman" panose="02020603050405020304" pitchFamily="18" charset="0"/>
-              </a:rPr>
-              <a:t> </a:t>
-            </a:r>
-            <a:r>
-              <a:rPr lang="en-US" sz="2400" dirty="0" smtClean="0">
-                <a:latin typeface="Times New Roman" panose="02020603050405020304" pitchFamily="18" charset="0"/>
-                <a:cs typeface="Times New Roman" panose="02020603050405020304" pitchFamily="18" charset="0"/>
-              </a:rPr>
-              <a:t>bubble,</a:t>
-            </a:r>
-            <a:r>
-              <a:rPr lang="en-US" sz="2400" dirty="0">
-                <a:latin typeface="Times New Roman" panose="02020603050405020304" pitchFamily="18" charset="0"/>
-                <a:cs typeface="Times New Roman" panose="02020603050405020304" pitchFamily="18" charset="0"/>
-              </a:rPr>
-              <a:t> </a:t>
-            </a:r>
-            <a:r>
-              <a:rPr lang="en-US" sz="2400" dirty="0" smtClean="0">
-                <a:latin typeface="Times New Roman" panose="02020603050405020304" pitchFamily="18" charset="0"/>
-                <a:cs typeface="Times New Roman" panose="02020603050405020304" pitchFamily="18" charset="0"/>
-              </a:rPr>
-              <a:t>radar, </a:t>
-            </a:r>
-            <a:r>
-              <a:rPr lang="en-US" sz="2400" dirty="0">
-                <a:latin typeface="Times New Roman" panose="02020603050405020304" pitchFamily="18" charset="0"/>
-                <a:cs typeface="Times New Roman" panose="02020603050405020304" pitchFamily="18" charset="0"/>
-              </a:rPr>
-              <a:t>polar, and </a:t>
-            </a:r>
-            <a:r>
-              <a:rPr lang="en-US" sz="2400" dirty="0" smtClean="0">
-                <a:latin typeface="Times New Roman" panose="02020603050405020304" pitchFamily="18" charset="0"/>
-                <a:cs typeface="Times New Roman" panose="02020603050405020304" pitchFamily="18" charset="0"/>
-              </a:rPr>
-              <a:t>scatter.</a:t>
-            </a:r>
-            <a:endParaRPr lang="en-US" sz="2400" dirty="0">
-              <a:solidFill>
-                <a:schemeClr val="tx1"/>
-              </a:solidFill>
-              <a:latin typeface="Times New Roman" panose="02020603050405020304" pitchFamily="18" charset="0"/>
-              <a:cs typeface="Times New Roman" panose="02020603050405020304" pitchFamily="18" charset="0"/>
-            </a:endParaRPr>
-          </a:p>
-        </p:txBody>
-      </p:sp>
-    </p:spTree>
-    <p:extLst>
-      <p:ext uri="{BB962C8B-B14F-4D97-AF65-F5344CB8AC3E}">
-        <p14:creationId xmlns:p14="http://schemas.microsoft.com/office/powerpoint/2010/main" val="186891899"/>
-      </p:ext>
-    </p:extLst>
-  </p:cSld>
-  <p:clrMapOvr>
-    <a:masterClrMapping/>
-  </p:clrMapOvr>
-</p:sld>
-</file>
-
-<file path=ppt/slides/slide5.xml><?xml version="1.0" encoding="utf-8"?>
-<p:sld xmlns:a="http://schemas.openxmlformats.org/drawingml/2006/main" xmlns:r="http://schemas.openxmlformats.org/officeDocument/2006/relationships" xmlns:p="http://schemas.openxmlformats.org/presentationml/2006/main">
-  <p:cSld>
-    <p:spTree>
-      <p:nvGrpSpPr>
-        <p:cNvPr id="1" name=""/>
-        <p:cNvGrpSpPr/>
-        <p:nvPr/>
-      </p:nvGrpSpPr>
-      <p:grpSpPr>
-        <a:xfrm>
-          <a:off x="0" y="0"/>
-          <a:ext cx="0" cy="0"/>
-          <a:chOff x="0" y="0"/>
-          <a:chExt cx="0" cy="0"/>
-        </a:xfrm>
-      </p:grpSpPr>
-      <p:sp>
-        <p:nvSpPr>
-          <p:cNvPr id="2" name="Title 1"/>
-          <p:cNvSpPr>
-            <a:spLocks noGrp="1"/>
-          </p:cNvSpPr>
-          <p:nvPr>
-            <p:ph type="title"/>
-          </p:nvPr>
-        </p:nvSpPr>
-        <p:spPr>
-          <a:xfrm>
-            <a:off x="1646928" y="301823"/>
-            <a:ext cx="5715000" cy="1295400"/>
-          </a:xfrm>
-        </p:spPr>
-        <p:txBody>
-          <a:bodyPr>
-            <a:normAutofit/>
-          </a:bodyPr>
-          <a:lstStyle/>
-          <a:p>
-            <a:pPr algn="ctr"/>
-            <a:r>
-              <a:rPr lang="en-US" b="0" dirty="0" smtClean="0">
-                <a:effectLst/>
-              </a:rPr>
-              <a:t>Gauge Chart</a:t>
-            </a:r>
-            <a:br>
-              <a:rPr lang="en-US" b="0" dirty="0" smtClean="0">
-                <a:effectLst/>
-              </a:rPr>
-            </a:br>
-            <a:r>
-              <a:rPr lang="en-US" b="0" dirty="0" smtClean="0">
-                <a:effectLst/>
-              </a:rPr>
-              <a:t>Explanations</a:t>
-            </a:r>
-            <a:endParaRPr lang="en-US" b="0" dirty="0">
-              <a:effectLst/>
-            </a:endParaRPr>
-          </a:p>
-        </p:txBody>
-      </p:sp>
-      <p:sp>
-        <p:nvSpPr>
-          <p:cNvPr id="4" name="TextBox 3"/>
-          <p:cNvSpPr txBox="1"/>
-          <p:nvPr/>
-        </p:nvSpPr>
-        <p:spPr>
-          <a:xfrm>
-            <a:off x="3825396" y="1597223"/>
-            <a:ext cx="1358064" cy="307777"/>
-          </a:xfrm>
-          <a:prstGeom prst="rect">
-            <a:avLst/>
-          </a:prstGeom>
-          <a:noFill/>
-        </p:spPr>
-        <p:txBody>
-          <a:bodyPr wrap="none" rtlCol="0">
-            <a:spAutoFit/>
-          </a:bodyPr>
-          <a:lstStyle/>
-          <a:p>
-            <a:pPr marL="0" lvl="1" algn="ctr"/>
-            <a:r>
-              <a:rPr lang="en-US" sz="1400" b="1" dirty="0"/>
-              <a:t>Gauge Chart  </a:t>
-            </a:r>
-          </a:p>
-        </p:txBody>
-      </p:sp>
-      <p:sp>
-        <p:nvSpPr>
-          <p:cNvPr id="6" name="TextBox 5"/>
-          <p:cNvSpPr txBox="1"/>
-          <p:nvPr/>
-        </p:nvSpPr>
-        <p:spPr>
-          <a:xfrm>
-            <a:off x="752729" y="3886200"/>
-            <a:ext cx="7503396" cy="1908215"/>
-          </a:xfrm>
-          <a:prstGeom prst="rect">
-            <a:avLst/>
-          </a:prstGeom>
-          <a:noFill/>
-        </p:spPr>
-        <p:txBody>
-          <a:bodyPr wrap="square" rtlCol="0">
-            <a:spAutoFit/>
-          </a:bodyPr>
-          <a:lstStyle/>
-          <a:p>
-            <a:pPr marL="342900" lvl="1" indent="-342900" algn="ctr">
-              <a:buFont typeface="Arial" panose="020B0604020202020204" pitchFamily="34" charset="0"/>
-              <a:buChar char="•"/>
-            </a:pPr>
-            <a:r>
-              <a:rPr lang="en-US" sz="2000" dirty="0"/>
-              <a:t>Gauge chart </a:t>
-            </a:r>
-            <a:r>
-              <a:rPr lang="en-US" sz="2000" dirty="0" smtClean="0"/>
-              <a:t>can be </a:t>
-            </a:r>
-            <a:r>
-              <a:rPr lang="en-US" sz="2000" dirty="0"/>
-              <a:t>called a dial chart </a:t>
-            </a:r>
-            <a:r>
-              <a:rPr lang="en-US" sz="2000" dirty="0" smtClean="0"/>
-              <a:t>that </a:t>
-            </a:r>
-            <a:r>
-              <a:rPr lang="en-US" sz="2000" dirty="0"/>
-              <a:t>gauge something </a:t>
-            </a:r>
-            <a:endParaRPr lang="en-US" sz="2000" dirty="0" smtClean="0"/>
-          </a:p>
-          <a:p>
-            <a:pPr marL="0" lvl="1" algn="ctr"/>
-            <a:r>
-              <a:rPr lang="en-US" sz="2000" dirty="0"/>
-              <a:t> </a:t>
-            </a:r>
-            <a:r>
-              <a:rPr lang="en-US" sz="2000" dirty="0" smtClean="0"/>
-              <a:t>     like </a:t>
-            </a:r>
-            <a:r>
-              <a:rPr lang="en-US" sz="2000" dirty="0"/>
-              <a:t>your speed on a vehicle or the temperature out side</a:t>
-            </a:r>
-            <a:r>
-              <a:rPr lang="en-US" sz="2000" dirty="0" smtClean="0"/>
-              <a:t>.</a:t>
-            </a:r>
-          </a:p>
-          <a:p>
-            <a:pPr marL="0" lvl="1" algn="ctr"/>
-            <a:r>
-              <a:rPr lang="en-US" sz="2000" dirty="0" smtClean="0"/>
-              <a:t>    Also </a:t>
-            </a:r>
-            <a:r>
-              <a:rPr lang="en-US" sz="2000" dirty="0"/>
-              <a:t>provides a very basic way of showing data. As well </a:t>
-            </a:r>
-            <a:r>
-              <a:rPr lang="en-US" sz="2000" dirty="0" smtClean="0"/>
-              <a:t>as </a:t>
-            </a:r>
-            <a:r>
-              <a:rPr lang="en-US" sz="2000" dirty="0"/>
-              <a:t>allow a </a:t>
-            </a:r>
-            <a:r>
-              <a:rPr lang="en-US" sz="2000" dirty="0" smtClean="0"/>
-              <a:t>number </a:t>
-            </a:r>
-            <a:r>
-              <a:rPr lang="en-US" sz="2000" dirty="0"/>
-              <a:t>of properties to be specified for each dataset like by color. </a:t>
-            </a:r>
-            <a:endParaRPr lang="en-US" sz="2000" dirty="0" smtClean="0"/>
-          </a:p>
-          <a:p>
-            <a:pPr marL="285750" indent="-285750">
-              <a:buFont typeface="Arial" panose="020B0604020202020204" pitchFamily="34" charset="0"/>
-              <a:buChar char="•"/>
-            </a:pPr>
+            <a:off x="1455737" y="1828800"/>
+            <a:ext cx="6172200" cy="2133934"/>
+          </a:xfrm>
+        </p:spPr>
+        <p:txBody>
+          <a:bodyPr/>
+          <a:lstStyle/>
+          <a:p>
+            <a:pPr lvl="1" algn="ctr"/>
+            <a:r>
+              <a:rPr lang="en-US" dirty="0"/>
+              <a:t>Now you probably noticed that when you update the gauge chart that there is no color well we still have to add it so we will add this line of Code:</a:t>
+            </a:r>
+          </a:p>
+          <a:p>
+            <a:pPr lvl="1" algn="ctr"/>
+            <a:r>
+              <a:rPr lang="en-US" dirty="0" err="1"/>
+              <a:t>chart.data.datasets</a:t>
+            </a:r>
+            <a:r>
+              <a:rPr lang="en-US" dirty="0"/>
+              <a:t>[0].</a:t>
+            </a:r>
+            <a:r>
+              <a:rPr lang="en-US" dirty="0" err="1"/>
+              <a:t>backgroundColor.push</a:t>
+            </a:r>
+            <a:r>
+              <a:rPr lang="en-US" dirty="0"/>
+              <a:t>(“blue”);</a:t>
+            </a:r>
+          </a:p>
+          <a:p>
+            <a:pPr lvl="1" algn="ctr"/>
+            <a:endParaRPr lang="en-US" dirty="0"/>
+          </a:p>
+          <a:p>
+            <a:pPr lvl="1" algn="ctr"/>
+            <a:r>
+              <a:rPr lang="en-US" dirty="0"/>
+              <a:t>Then it will look like the example below.</a:t>
+            </a:r>
+          </a:p>
+          <a:p>
+            <a:pPr lvl="1" algn="ctr"/>
             <a:endParaRPr lang="en-US" dirty="0"/>
           </a:p>
         </p:txBody>
       </p:sp>
       <p:pic>
         <p:nvPicPr>
-          <p:cNvPr id="1026" name="Picture 2"/>
+          <p:cNvPr id="8194" name="Picture 2"/>
           <p:cNvPicPr>
             <a:picLocks noChangeAspect="1" noChangeArrowheads="1"/>
           </p:cNvPicPr>
@@ -5908,8 +5215,8 @@
         </p:blipFill>
         <p:spPr bwMode="auto">
           <a:xfrm>
-            <a:off x="2624776" y="1917938"/>
-            <a:ext cx="3759304" cy="1968262"/>
+            <a:off x="2514600" y="4038600"/>
+            <a:ext cx="4054475" cy="2704765"/>
           </a:xfrm>
           <a:prstGeom prst="rect">
             <a:avLst/>
@@ -5952,7 +5259,7 @@
     </p:spTree>
     <p:extLst>
       <p:ext uri="{BB962C8B-B14F-4D97-AF65-F5344CB8AC3E}">
-        <p14:creationId xmlns:p14="http://schemas.microsoft.com/office/powerpoint/2010/main" val="1933643406"/>
+        <p14:creationId xmlns:p14="http://schemas.microsoft.com/office/powerpoint/2010/main" val="327127332"/>
       </p:ext>
     </p:extLst>
   </p:cSld>
@@ -5962,7 +5269,7 @@
 </p:sld>
 </file>
 
-<file path=ppt/slides/slide6.xml><?xml version="1.0" encoding="utf-8"?>
+<file path=ppt/slides/slide16.xml><?xml version="1.0" encoding="utf-8"?>
 <p:sld xmlns:a="http://schemas.openxmlformats.org/drawingml/2006/main" xmlns:r="http://schemas.openxmlformats.org/officeDocument/2006/relationships" xmlns:p="http://schemas.openxmlformats.org/presentationml/2006/main">
   <p:cSld>
     <p:spTree>
@@ -5991,8 +5298,8 @@
         </p:nvSpPr>
         <p:spPr>
           <a:xfrm>
-            <a:off x="2743200" y="1066800"/>
-            <a:ext cx="3581400" cy="1981200"/>
+            <a:off x="2743200" y="1676400"/>
+            <a:ext cx="3429000" cy="3124200"/>
           </a:xfrm>
         </p:spPr>
         <p:txBody>
@@ -6002,11 +5309,16 @@
           <a:lstStyle/>
           <a:p>
             <a:pPr algn="ctr"/>
-            <a:r>
-              <a:rPr lang="en-US" dirty="0" smtClean="0">
+            <a:br>
+              <a:rPr lang="en-US" dirty="0">
                 <a:effectLst/>
               </a:rPr>
-              <a:t>Demonstration the Training Module</a:t>
+            </a:br>
+            <a:r>
+              <a:rPr lang="en-US" sz="4700" dirty="0">
+                <a:effectLst/>
+              </a:rPr>
+              <a:t>Any Questions?</a:t>
             </a:r>
             <a:endParaRPr lang="en-US" dirty="0">
               <a:effectLst/>
@@ -6014,45 +5326,10 @@
           </a:p>
         </p:txBody>
       </p:sp>
-      <p:sp>
-        <p:nvSpPr>
-          <p:cNvPr id="3" name="TextBox 2"/>
-          <p:cNvSpPr txBox="1"/>
-          <p:nvPr/>
-        </p:nvSpPr>
-        <p:spPr>
-          <a:xfrm>
-            <a:off x="2590800" y="3749738"/>
-            <a:ext cx="4038600" cy="400110"/>
-          </a:xfrm>
-          <a:prstGeom prst="rect">
-            <a:avLst/>
-          </a:prstGeom>
-          <a:noFill/>
-        </p:spPr>
-        <p:txBody>
-          <a:bodyPr wrap="square" rtlCol="0">
-            <a:spAutoFit/>
-          </a:bodyPr>
-          <a:lstStyle/>
-          <a:p>
-            <a:pPr algn="ctr"/>
-            <a:r>
-              <a:rPr lang="en-US" sz="2000" i="1" dirty="0" smtClean="0">
-                <a:latin typeface="Arial (Body)"/>
-              </a:rPr>
-              <a:t>Demo and Examples  </a:t>
-            </a:r>
-            <a:endParaRPr lang="en-US" sz="2000" i="1" dirty="0">
-              <a:latin typeface="Arial (Body)"/>
-            </a:endParaRPr>
-          </a:p>
-        </p:txBody>
-      </p:sp>
     </p:spTree>
     <p:extLst>
       <p:ext uri="{BB962C8B-B14F-4D97-AF65-F5344CB8AC3E}">
-        <p14:creationId xmlns:p14="http://schemas.microsoft.com/office/powerpoint/2010/main" val="4129186503"/>
+        <p14:creationId xmlns:p14="http://schemas.microsoft.com/office/powerpoint/2010/main" val="2819087868"/>
       </p:ext>
     </p:extLst>
   </p:cSld>
@@ -6062,7 +5339,7 @@
 </p:sld>
 </file>
 
-<file path=ppt/slides/slide7.xml><?xml version="1.0" encoding="utf-8"?>
+<file path=ppt/slides/slide2.xml><?xml version="1.0" encoding="utf-8"?>
 <p:sld xmlns:a="http://schemas.openxmlformats.org/drawingml/2006/main" xmlns:r="http://schemas.openxmlformats.org/officeDocument/2006/relationships" xmlns:p="http://schemas.openxmlformats.org/presentationml/2006/main">
   <p:cSld>
     <p:spTree>
@@ -6091,8 +5368,8 @@
         </p:nvSpPr>
         <p:spPr>
           <a:xfrm>
-            <a:off x="2286000" y="685800"/>
-            <a:ext cx="4648200" cy="990600"/>
+            <a:off x="2743200" y="304800"/>
+            <a:ext cx="3581400" cy="1485900"/>
           </a:xfrm>
         </p:spPr>
         <p:txBody>
@@ -6103,82 +5380,579 @@
           <a:p>
             <a:pPr algn="ctr"/>
             <a:r>
-              <a:rPr lang="en-US" dirty="0" smtClean="0">
+              <a:rPr lang="en-US" dirty="0">
                 <a:effectLst/>
               </a:rPr>
-              <a:t>Demo example</a:t>
-            </a:r>
-            <a:endParaRPr lang="en-US" dirty="0">
-              <a:effectLst/>
+              <a:t>Learning Outcomes </a:t>
+            </a:r>
+          </a:p>
+        </p:txBody>
+      </p:sp>
+      <p:sp>
+        <p:nvSpPr>
+          <p:cNvPr id="3" name="TextBox 2"/>
+          <p:cNvSpPr txBox="1"/>
+          <p:nvPr/>
+        </p:nvSpPr>
+        <p:spPr>
+          <a:xfrm>
+            <a:off x="914400" y="1905000"/>
+            <a:ext cx="7543800" cy="4708981"/>
+          </a:xfrm>
+          <a:prstGeom prst="rect">
+            <a:avLst/>
+          </a:prstGeom>
+          <a:noFill/>
+        </p:spPr>
+        <p:txBody>
+          <a:bodyPr wrap="square" rtlCol="0">
+            <a:spAutoFit/>
+          </a:bodyPr>
+          <a:lstStyle/>
+          <a:p>
+            <a:pPr marL="342900" lvl="0" indent="-342900">
+              <a:buFont typeface="Arial" panose="020B0604020202020204" pitchFamily="34" charset="0"/>
+              <a:buChar char="•"/>
+            </a:pPr>
+            <a:r>
+              <a:rPr lang="en-US" sz="2000" dirty="0"/>
+              <a:t>The student will demonstrate understanding the basics of bootstrap and Chart.js.</a:t>
+            </a:r>
+          </a:p>
+          <a:p>
+            <a:pPr marL="342900" lvl="0" indent="-342900">
+              <a:buFont typeface="Arial" panose="020B0604020202020204" pitchFamily="34" charset="0"/>
+              <a:buChar char="•"/>
+            </a:pPr>
+            <a:endParaRPr lang="en-US" sz="2000" dirty="0"/>
+          </a:p>
+          <a:p>
+            <a:pPr marL="342900" lvl="0" indent="-342900">
+              <a:buFont typeface="Arial" panose="020B0604020202020204" pitchFamily="34" charset="0"/>
+              <a:buChar char="•"/>
+            </a:pPr>
+            <a:r>
+              <a:rPr lang="en-US" sz="2000" dirty="0"/>
+              <a:t>The student will learn how to change a chart and implement several functions.</a:t>
+            </a:r>
+          </a:p>
+          <a:p>
+            <a:pPr marL="342900" lvl="0" indent="-342900">
+              <a:buFont typeface="Arial" panose="020B0604020202020204" pitchFamily="34" charset="0"/>
+              <a:buChar char="•"/>
+            </a:pPr>
+            <a:endParaRPr lang="en-US" sz="2000" dirty="0"/>
+          </a:p>
+          <a:p>
+            <a:pPr marL="342900" lvl="0" indent="-342900">
+              <a:buFont typeface="Arial" panose="020B0604020202020204" pitchFamily="34" charset="0"/>
+              <a:buChar char="•"/>
+            </a:pPr>
+            <a:r>
+              <a:rPr lang="en-US" sz="2000" dirty="0"/>
+              <a:t>The student will learn how to create an update button to update the chart. </a:t>
+            </a:r>
+          </a:p>
+          <a:p>
+            <a:pPr marL="342900" lvl="0" indent="-342900">
+              <a:buFont typeface="Arial" panose="020B0604020202020204" pitchFamily="34" charset="0"/>
+              <a:buChar char="•"/>
+            </a:pPr>
+            <a:endParaRPr lang="en-US" sz="2000" dirty="0"/>
+          </a:p>
+          <a:p>
+            <a:pPr marL="342900" lvl="0" indent="-342900">
+              <a:buFont typeface="Arial" panose="020B0604020202020204" pitchFamily="34" charset="0"/>
+              <a:buChar char="•"/>
+            </a:pPr>
+            <a:r>
+              <a:rPr lang="en-US" sz="2000" dirty="0"/>
+              <a:t>The student then will demonstrate what they have learned by creating a chart on their own</a:t>
+            </a:r>
+          </a:p>
+          <a:p>
+            <a:pPr marL="342900" lvl="0" indent="-342900">
+              <a:buFont typeface="Arial" panose="020B0604020202020204" pitchFamily="34" charset="0"/>
+              <a:buChar char="•"/>
+            </a:pPr>
+            <a:endParaRPr lang="en-US" sz="2000" dirty="0"/>
+          </a:p>
+          <a:p>
+            <a:pPr marL="342900" lvl="0" indent="-342900">
+              <a:buFont typeface="Arial" panose="020B0604020202020204" pitchFamily="34" charset="0"/>
+              <a:buChar char="•"/>
+            </a:pPr>
+            <a:r>
+              <a:rPr lang="en-US" sz="2000" dirty="0"/>
+              <a:t>The student will then reflect on what they have learned with a short assessment</a:t>
+            </a:r>
+          </a:p>
+          <a:p>
+            <a:pPr algn="ctr"/>
+            <a:endParaRPr lang="en-US" sz="2000" i="1" dirty="0">
+              <a:latin typeface="Arial (Body)"/>
             </a:endParaRPr>
           </a:p>
         </p:txBody>
       </p:sp>
-      <p:sp>
-        <p:nvSpPr>
-          <p:cNvPr id="3" name="Text Placeholder 2"/>
-          <p:cNvSpPr>
-            <a:spLocks noGrp="1"/>
-          </p:cNvSpPr>
-          <p:nvPr>
-            <p:ph type="body" idx="1"/>
+    </p:spTree>
+    <p:extLst>
+      <p:ext uri="{BB962C8B-B14F-4D97-AF65-F5344CB8AC3E}">
+        <p14:creationId xmlns:p14="http://schemas.microsoft.com/office/powerpoint/2010/main" val="1759568197"/>
+      </p:ext>
+    </p:extLst>
+  </p:cSld>
+  <p:clrMapOvr>
+    <a:masterClrMapping/>
+  </p:clrMapOvr>
+</p:sld>
+</file>
+
+<file path=ppt/slides/slide3.xml><?xml version="1.0" encoding="utf-8"?>
+<p:sld xmlns:a="http://schemas.openxmlformats.org/drawingml/2006/main" xmlns:r="http://schemas.openxmlformats.org/officeDocument/2006/relationships" xmlns:p="http://schemas.openxmlformats.org/presentationml/2006/main">
+  <p:cSld>
+    <p:spTree>
+      <p:nvGrpSpPr>
+        <p:cNvPr id="1" name=""/>
+        <p:cNvGrpSpPr/>
+        <p:nvPr/>
+      </p:nvGrpSpPr>
+      <p:grpSpPr>
+        <a:xfrm>
+          <a:off x="0" y="0"/>
+          <a:ext cx="0" cy="0"/>
+          <a:chOff x="0" y="0"/>
+          <a:chExt cx="0" cy="0"/>
+        </a:xfrm>
+      </p:grpSpPr>
+      <p:sp>
+        <p:nvSpPr>
+          <p:cNvPr id="2" name="Title 1"/>
+          <p:cNvSpPr>
+            <a:spLocks noGrp="1"/>
+          </p:cNvSpPr>
+          <p:nvPr>
+            <p:ph type="ctrTitle"/>
           </p:nvPr>
         </p:nvSpPr>
         <p:spPr>
           <a:xfrm>
-            <a:off x="25400" y="1981200"/>
-            <a:ext cx="4419600" cy="2133600"/>
-          </a:xfrm>
-        </p:spPr>
-        <p:txBody>
-          <a:bodyPr/>
-          <a:lstStyle/>
-          <a:p>
-            <a:pPr lvl="1" algn="ctr"/>
-            <a:r>
-              <a:rPr lang="en-US" dirty="0"/>
-              <a:t>This is the link to </a:t>
-            </a:r>
-            <a:r>
-              <a:rPr lang="en-US" dirty="0" smtClean="0"/>
-              <a:t>the </a:t>
-            </a:r>
-            <a:r>
-              <a:rPr lang="en-US" u="sng" dirty="0" smtClean="0">
-                <a:hlinkClick r:id="rId2"/>
-              </a:rPr>
-              <a:t>bootstrap</a:t>
-            </a:r>
-            <a:r>
-              <a:rPr lang="en-US" u="sng" dirty="0" smtClean="0"/>
-              <a:t> </a:t>
-            </a:r>
-            <a:endParaRPr lang="en-US" dirty="0"/>
-          </a:p>
-          <a:p>
-            <a:pPr lvl="1" algn="ctr"/>
-            <a:r>
-              <a:rPr lang="en-US" dirty="0" smtClean="0"/>
-              <a:t>starting template for the demo we will be going through with you. </a:t>
-            </a:r>
-          </a:p>
-          <a:p>
-            <a:pPr lvl="1" algn="ctr"/>
-            <a:endParaRPr lang="en-US" dirty="0"/>
-          </a:p>
-          <a:p>
-            <a:pPr lvl="1" algn="ctr"/>
-            <a:r>
-              <a:rPr lang="en-US" dirty="0">
+            <a:off x="2057400" y="609600"/>
+            <a:ext cx="4953000" cy="1600200"/>
+          </a:xfrm>
+          <a:ln>
+            <a:noFill/>
+          </a:ln>
+        </p:spPr>
+        <p:txBody>
+          <a:bodyPr>
+            <a:normAutofit/>
+          </a:bodyPr>
+          <a:lstStyle/>
+          <a:p>
+            <a:pPr algn="ctr"/>
+            <a:r>
+              <a:rPr lang="en-US" sz="4400" b="0" i="1" dirty="0">
                 <a:solidFill>
-                  <a:schemeClr val="tx1"/>
+                  <a:srgbClr val="20B2E0"/>
                 </a:solidFill>
               </a:rPr>
-              <a:t>Be sure to save the type as a Html file</a:t>
-            </a:r>
-          </a:p>
-          <a:p>
-            <a:pPr lvl="1" algn="ctr"/>
+              <a:t>Bootstrap</a:t>
+            </a:r>
+            <a:br>
+              <a:rPr lang="en-US" sz="4400" b="0" i="1" dirty="0">
+                <a:solidFill>
+                  <a:srgbClr val="20B2E0"/>
+                </a:solidFill>
+              </a:rPr>
+            </a:br>
+            <a:r>
+              <a:rPr lang="en-US" sz="4400" b="0" i="1" dirty="0">
+                <a:solidFill>
+                  <a:srgbClr val="20B2E0"/>
+                </a:solidFill>
+              </a:rPr>
+              <a:t>Explanation</a:t>
+            </a:r>
+          </a:p>
+        </p:txBody>
+      </p:sp>
+      <p:sp>
+        <p:nvSpPr>
+          <p:cNvPr id="3" name="Subtitle 2"/>
+          <p:cNvSpPr>
+            <a:spLocks noGrp="1"/>
+          </p:cNvSpPr>
+          <p:nvPr>
+            <p:ph type="subTitle" idx="1"/>
+          </p:nvPr>
+        </p:nvSpPr>
+        <p:spPr>
+          <a:xfrm>
+            <a:off x="533400" y="2590800"/>
+            <a:ext cx="7696200" cy="3657600"/>
+          </a:xfrm>
+        </p:spPr>
+        <p:txBody>
+          <a:bodyPr>
+            <a:normAutofit/>
+          </a:bodyPr>
+          <a:lstStyle/>
+          <a:p>
+            <a:pPr algn="ctr"/>
+            <a:r>
+              <a:rPr lang="en-US" dirty="0">
+                <a:latin typeface="Times New Roman" panose="02020603050405020304" pitchFamily="18" charset="0"/>
+                <a:cs typeface="Times New Roman" panose="02020603050405020304" pitchFamily="18" charset="0"/>
+              </a:rPr>
+              <a:t> </a:t>
+            </a:r>
+            <a:r>
+              <a:rPr lang="en-US" sz="2400" dirty="0">
+                <a:latin typeface="Times New Roman" panose="02020603050405020304" pitchFamily="18" charset="0"/>
+                <a:cs typeface="Times New Roman" panose="02020603050405020304" pitchFamily="18" charset="0"/>
+              </a:rPr>
+              <a:t>Bootstrap is a potent front-end framework used to create modern websites and web apps. </a:t>
+            </a:r>
+          </a:p>
+          <a:p>
+            <a:pPr algn="ctr"/>
+            <a:r>
+              <a:rPr lang="en-US" sz="2400" dirty="0">
+                <a:latin typeface="Times New Roman" panose="02020603050405020304" pitchFamily="18" charset="0"/>
+                <a:cs typeface="Times New Roman" panose="02020603050405020304" pitchFamily="18" charset="0"/>
+              </a:rPr>
+              <a:t>It's open-source and free to use, yet features numerous HTML and CSS templates for UI interface elements such as buttons and forms. </a:t>
+            </a:r>
+          </a:p>
+          <a:p>
+            <a:pPr algn="ctr"/>
+            <a:r>
+              <a:rPr lang="en-US" sz="2400" dirty="0">
+                <a:latin typeface="Times New Roman" panose="02020603050405020304" pitchFamily="18" charset="0"/>
+                <a:cs typeface="Times New Roman" panose="02020603050405020304" pitchFamily="18" charset="0"/>
+              </a:rPr>
+              <a:t>Bootstrap also supports JavaScript extensions.</a:t>
+            </a:r>
+          </a:p>
+          <a:p>
+            <a:pPr algn="ctr"/>
+            <a:endParaRPr lang="en-US" sz="2400" b="1" dirty="0">
+              <a:solidFill>
+                <a:schemeClr val="tx1"/>
+              </a:solidFill>
+            </a:endParaRPr>
+          </a:p>
+          <a:p>
+            <a:pPr algn="ctr"/>
+            <a:endParaRPr lang="en-US" sz="2400" b="1" dirty="0">
+              <a:solidFill>
+                <a:schemeClr val="tx1"/>
+              </a:solidFill>
+            </a:endParaRPr>
+          </a:p>
+        </p:txBody>
+      </p:sp>
+    </p:spTree>
+    <p:extLst>
+      <p:ext uri="{BB962C8B-B14F-4D97-AF65-F5344CB8AC3E}">
+        <p14:creationId xmlns:p14="http://schemas.microsoft.com/office/powerpoint/2010/main" val="2134206316"/>
+      </p:ext>
+    </p:extLst>
+  </p:cSld>
+  <p:clrMapOvr>
+    <a:masterClrMapping/>
+  </p:clrMapOvr>
+</p:sld>
+</file>
+
+<file path=ppt/slides/slide4.xml><?xml version="1.0" encoding="utf-8"?>
+<p:sld xmlns:a="http://schemas.openxmlformats.org/drawingml/2006/main" xmlns:r="http://schemas.openxmlformats.org/officeDocument/2006/relationships" xmlns:p="http://schemas.openxmlformats.org/presentationml/2006/main">
+  <p:cSld>
+    <p:spTree>
+      <p:nvGrpSpPr>
+        <p:cNvPr id="1" name=""/>
+        <p:cNvGrpSpPr/>
+        <p:nvPr/>
+      </p:nvGrpSpPr>
+      <p:grpSpPr>
+        <a:xfrm>
+          <a:off x="0" y="0"/>
+          <a:ext cx="0" cy="0"/>
+          <a:chOff x="0" y="0"/>
+          <a:chExt cx="0" cy="0"/>
+        </a:xfrm>
+      </p:grpSpPr>
+      <p:sp>
+        <p:nvSpPr>
+          <p:cNvPr id="2" name="Title 1"/>
+          <p:cNvSpPr>
+            <a:spLocks noGrp="1"/>
+          </p:cNvSpPr>
+          <p:nvPr>
+            <p:ph type="ctrTitle"/>
+          </p:nvPr>
+        </p:nvSpPr>
+        <p:spPr>
+          <a:xfrm>
+            <a:off x="2057400" y="609600"/>
+            <a:ext cx="4953000" cy="1600200"/>
+          </a:xfrm>
+          <a:ln>
+            <a:noFill/>
+          </a:ln>
+        </p:spPr>
+        <p:txBody>
+          <a:bodyPr>
+            <a:normAutofit/>
+          </a:bodyPr>
+          <a:lstStyle/>
+          <a:p>
+            <a:pPr algn="ctr"/>
+            <a:r>
+              <a:rPr lang="en-US" sz="4400" b="0" i="1" dirty="0">
+                <a:solidFill>
+                  <a:srgbClr val="20B2E0"/>
+                </a:solidFill>
+              </a:rPr>
+              <a:t>Chart. </a:t>
+            </a:r>
+            <a:r>
+              <a:rPr lang="en-US" sz="4400" b="0" i="1" dirty="0" err="1">
+                <a:solidFill>
+                  <a:srgbClr val="20B2E0"/>
+                </a:solidFill>
+              </a:rPr>
+              <a:t>Js</a:t>
+            </a:r>
+            <a:br>
+              <a:rPr lang="en-US" sz="4400" b="0" i="1" dirty="0">
+                <a:solidFill>
+                  <a:srgbClr val="20B2E0"/>
+                </a:solidFill>
+              </a:rPr>
+            </a:br>
+            <a:r>
+              <a:rPr lang="en-US" sz="4400" b="0" i="1" dirty="0">
+                <a:solidFill>
+                  <a:srgbClr val="20B2E0"/>
+                </a:solidFill>
+              </a:rPr>
+              <a:t>Explanation</a:t>
+            </a:r>
+          </a:p>
+        </p:txBody>
+      </p:sp>
+      <p:sp>
+        <p:nvSpPr>
+          <p:cNvPr id="3" name="Subtitle 2"/>
+          <p:cNvSpPr>
+            <a:spLocks noGrp="1"/>
+          </p:cNvSpPr>
+          <p:nvPr>
+            <p:ph type="subTitle" idx="1"/>
+          </p:nvPr>
+        </p:nvSpPr>
+        <p:spPr>
+          <a:xfrm>
+            <a:off x="990600" y="2209800"/>
+            <a:ext cx="7162800" cy="2743200"/>
+          </a:xfrm>
+        </p:spPr>
+        <p:txBody>
+          <a:bodyPr>
+            <a:noAutofit/>
+          </a:bodyPr>
+          <a:lstStyle/>
+          <a:p>
+            <a:pPr algn="ctr"/>
+            <a:r>
+              <a:rPr lang="en-US" sz="2400" dirty="0">
+                <a:latin typeface="Times New Roman" panose="02020603050405020304" pitchFamily="18" charset="0"/>
+                <a:cs typeface="Times New Roman" panose="02020603050405020304" pitchFamily="18" charset="0"/>
+              </a:rPr>
+              <a:t>Chart.js renders in HTML 5 canvas and is widely covered as one of the best data visualization libraries.</a:t>
+            </a:r>
+          </a:p>
+          <a:p>
+            <a:pPr algn="ctr"/>
+            <a:endParaRPr lang="en-US" sz="2400" dirty="0">
+              <a:latin typeface="Times New Roman" panose="02020603050405020304" pitchFamily="18" charset="0"/>
+              <a:cs typeface="Times New Roman" panose="02020603050405020304" pitchFamily="18" charset="0"/>
+            </a:endParaRPr>
+          </a:p>
+          <a:p>
+            <a:pPr algn="ctr"/>
+            <a:r>
+              <a:rPr lang="en-US" sz="2400" dirty="0">
+                <a:latin typeface="Times New Roman" panose="02020603050405020304" pitchFamily="18" charset="0"/>
+                <a:cs typeface="Times New Roman" panose="02020603050405020304" pitchFamily="18" charset="0"/>
+              </a:rPr>
+              <a:t>Chart.js is a free open-source JavaScript library for data visualization, which supports 8 chart types: bar, line, area, pie (doughnut), bubble, radar, polar, and scatter.</a:t>
+            </a:r>
+            <a:endParaRPr lang="en-US" sz="2400" dirty="0">
+              <a:solidFill>
+                <a:schemeClr val="tx1"/>
+              </a:solidFill>
+              <a:latin typeface="Times New Roman" panose="02020603050405020304" pitchFamily="18" charset="0"/>
+              <a:cs typeface="Times New Roman" panose="02020603050405020304" pitchFamily="18" charset="0"/>
+            </a:endParaRPr>
+          </a:p>
+        </p:txBody>
+      </p:sp>
+    </p:spTree>
+    <p:extLst>
+      <p:ext uri="{BB962C8B-B14F-4D97-AF65-F5344CB8AC3E}">
+        <p14:creationId xmlns:p14="http://schemas.microsoft.com/office/powerpoint/2010/main" val="186891899"/>
+      </p:ext>
+    </p:extLst>
+  </p:cSld>
+  <p:clrMapOvr>
+    <a:masterClrMapping/>
+  </p:clrMapOvr>
+</p:sld>
+</file>
+
+<file path=ppt/slides/slide5.xml><?xml version="1.0" encoding="utf-8"?>
+<p:sld xmlns:a="http://schemas.openxmlformats.org/drawingml/2006/main" xmlns:r="http://schemas.openxmlformats.org/officeDocument/2006/relationships" xmlns:p="http://schemas.openxmlformats.org/presentationml/2006/main">
+  <p:cSld>
+    <p:spTree>
+      <p:nvGrpSpPr>
+        <p:cNvPr id="1" name=""/>
+        <p:cNvGrpSpPr/>
+        <p:nvPr/>
+      </p:nvGrpSpPr>
+      <p:grpSpPr>
+        <a:xfrm>
+          <a:off x="0" y="0"/>
+          <a:ext cx="0" cy="0"/>
+          <a:chOff x="0" y="0"/>
+          <a:chExt cx="0" cy="0"/>
+        </a:xfrm>
+      </p:grpSpPr>
+      <p:sp>
+        <p:nvSpPr>
+          <p:cNvPr id="2" name="Title 1"/>
+          <p:cNvSpPr>
+            <a:spLocks noGrp="1"/>
+          </p:cNvSpPr>
+          <p:nvPr>
+            <p:ph type="title"/>
+          </p:nvPr>
+        </p:nvSpPr>
+        <p:spPr>
+          <a:xfrm>
+            <a:off x="1646928" y="301823"/>
+            <a:ext cx="5715000" cy="1295400"/>
+          </a:xfrm>
+        </p:spPr>
+        <p:txBody>
+          <a:bodyPr>
+            <a:normAutofit/>
+          </a:bodyPr>
+          <a:lstStyle/>
+          <a:p>
+            <a:pPr algn="ctr"/>
+            <a:r>
+              <a:rPr lang="en-US" b="0" dirty="0">
+                <a:effectLst/>
+              </a:rPr>
+              <a:t>Gauge Chart</a:t>
+            </a:r>
+            <a:br>
+              <a:rPr lang="en-US" b="0" dirty="0">
+                <a:effectLst/>
+              </a:rPr>
+            </a:br>
+            <a:r>
+              <a:rPr lang="en-US" b="0" dirty="0">
+                <a:effectLst/>
+              </a:rPr>
+              <a:t>Explanations</a:t>
+            </a:r>
+          </a:p>
+        </p:txBody>
+      </p:sp>
+      <p:sp>
+        <p:nvSpPr>
+          <p:cNvPr id="4" name="TextBox 3"/>
+          <p:cNvSpPr txBox="1"/>
+          <p:nvPr/>
+        </p:nvSpPr>
+        <p:spPr>
+          <a:xfrm>
+            <a:off x="3825396" y="1597223"/>
+            <a:ext cx="1358064" cy="307777"/>
+          </a:xfrm>
+          <a:prstGeom prst="rect">
+            <a:avLst/>
+          </a:prstGeom>
+          <a:noFill/>
+        </p:spPr>
+        <p:txBody>
+          <a:bodyPr wrap="none" rtlCol="0">
+            <a:spAutoFit/>
+          </a:bodyPr>
+          <a:lstStyle/>
+          <a:p>
+            <a:pPr marL="0" lvl="1" algn="ctr"/>
+            <a:r>
+              <a:rPr lang="en-US" sz="1400" b="1" dirty="0"/>
+              <a:t>Gauge Chart  </a:t>
+            </a:r>
+          </a:p>
+        </p:txBody>
+      </p:sp>
+      <p:sp>
+        <p:nvSpPr>
+          <p:cNvPr id="6" name="TextBox 5"/>
+          <p:cNvSpPr txBox="1"/>
+          <p:nvPr/>
+        </p:nvSpPr>
+        <p:spPr>
+          <a:xfrm>
+            <a:off x="752729" y="3886200"/>
+            <a:ext cx="7503396" cy="1908215"/>
+          </a:xfrm>
+          <a:prstGeom prst="rect">
+            <a:avLst/>
+          </a:prstGeom>
+          <a:noFill/>
+        </p:spPr>
+        <p:txBody>
+          <a:bodyPr wrap="square" rtlCol="0">
+            <a:spAutoFit/>
+          </a:bodyPr>
+          <a:lstStyle/>
+          <a:p>
+            <a:pPr marL="342900" lvl="1" indent="-342900" algn="ctr">
+              <a:buFont typeface="Arial" panose="020B0604020202020204" pitchFamily="34" charset="0"/>
+              <a:buChar char="•"/>
+            </a:pPr>
+            <a:r>
+              <a:rPr lang="en-US" sz="2000" dirty="0"/>
+              <a:t>Gauge chart can be called a dial chart that gauge something </a:t>
+            </a:r>
+          </a:p>
+          <a:p>
+            <a:pPr marL="0" lvl="1" algn="ctr"/>
+            <a:r>
+              <a:rPr lang="en-US" sz="2000" dirty="0"/>
+              <a:t>      like your speed on a vehicle or the temperature out side.</a:t>
+            </a:r>
+          </a:p>
+          <a:p>
+            <a:pPr marL="0" lvl="1" algn="ctr"/>
+            <a:r>
+              <a:rPr lang="en-US" sz="2000" dirty="0"/>
+              <a:t>    Also provides a very basic way of showing data. As well as allow a number of properties to be specified for each dataset like by color. </a:t>
+            </a:r>
+          </a:p>
+          <a:p>
+            <a:pPr marL="285750" indent="-285750">
+              <a:buFont typeface="Arial" panose="020B0604020202020204" pitchFamily="34" charset="0"/>
+              <a:buChar char="•"/>
+            </a:pPr>
             <a:endParaRPr lang="en-US" dirty="0"/>
           </a:p>
         </p:txBody>
@@ -6192,7 +5966,7 @@
           <p:nvPr/>
         </p:nvPicPr>
         <p:blipFill>
-          <a:blip r:embed="rId3">
+          <a:blip r:embed="rId2">
             <a:extLst>
               <a:ext uri="{28A0092B-C50C-407E-A947-70E740481C1C}">
                 <a14:useLocalDpi xmlns:a14="http://schemas.microsoft.com/office/drawing/2010/main" val="0"/>
@@ -6206,8 +5980,8 @@
         </p:blipFill>
         <p:spPr bwMode="auto">
           <a:xfrm>
-            <a:off x="4648200" y="1600200"/>
-            <a:ext cx="4273176" cy="4191000"/>
+            <a:off x="2624776" y="1917938"/>
+            <a:ext cx="3759304" cy="1968262"/>
           </a:xfrm>
           <a:prstGeom prst="rect">
             <a:avLst/>
@@ -6250,7 +6024,7 @@
     </p:spTree>
     <p:extLst>
       <p:ext uri="{BB962C8B-B14F-4D97-AF65-F5344CB8AC3E}">
-        <p14:creationId xmlns:p14="http://schemas.microsoft.com/office/powerpoint/2010/main" val="844687988"/>
+        <p14:creationId xmlns:p14="http://schemas.microsoft.com/office/powerpoint/2010/main" val="1933643406"/>
       </p:ext>
     </p:extLst>
   </p:cSld>
@@ -6260,7 +6034,7 @@
 </p:sld>
 </file>
 
-<file path=ppt/slides/slide8.xml><?xml version="1.0" encoding="utf-8"?>
+<file path=ppt/slides/slide6.xml><?xml version="1.0" encoding="utf-8"?>
 <p:sld xmlns:a="http://schemas.openxmlformats.org/drawingml/2006/main" xmlns:r="http://schemas.openxmlformats.org/officeDocument/2006/relationships" xmlns:p="http://schemas.openxmlformats.org/presentationml/2006/main">
   <p:cSld>
     <p:spTree>
@@ -6289,8 +6063,8 @@
         </p:nvSpPr>
         <p:spPr>
           <a:xfrm>
-            <a:off x="2286000" y="685800"/>
-            <a:ext cx="4648200" cy="990600"/>
+            <a:off x="2743200" y="1066800"/>
+            <a:ext cx="3581400" cy="1981200"/>
           </a:xfrm>
         </p:spPr>
         <p:txBody>
@@ -6301,14 +6075,105 @@
           <a:p>
             <a:pPr algn="ctr"/>
             <a:r>
-              <a:rPr lang="en-US" dirty="0" smtClean="0">
+              <a:rPr lang="en-US" dirty="0">
                 <a:effectLst/>
               </a:rPr>
-              <a:t>Demo example 2</a:t>
-            </a:r>
-            <a:endParaRPr lang="en-US" dirty="0">
-              <a:effectLst/>
-            </a:endParaRPr>
+              <a:t>Demonstration the Training Module</a:t>
+            </a:r>
+          </a:p>
+        </p:txBody>
+      </p:sp>
+      <p:sp>
+        <p:nvSpPr>
+          <p:cNvPr id="3" name="TextBox 2"/>
+          <p:cNvSpPr txBox="1"/>
+          <p:nvPr/>
+        </p:nvSpPr>
+        <p:spPr>
+          <a:xfrm>
+            <a:off x="2590800" y="3749738"/>
+            <a:ext cx="4038600" cy="400110"/>
+          </a:xfrm>
+          <a:prstGeom prst="rect">
+            <a:avLst/>
+          </a:prstGeom>
+          <a:noFill/>
+        </p:spPr>
+        <p:txBody>
+          <a:bodyPr wrap="square" rtlCol="0">
+            <a:spAutoFit/>
+          </a:bodyPr>
+          <a:lstStyle/>
+          <a:p>
+            <a:pPr algn="ctr"/>
+            <a:r>
+              <a:rPr lang="en-US" sz="2000" i="1" dirty="0">
+                <a:latin typeface="Arial (Body)"/>
+              </a:rPr>
+              <a:t>Demo and Examples  </a:t>
+            </a:r>
+          </a:p>
+        </p:txBody>
+      </p:sp>
+    </p:spTree>
+    <p:extLst>
+      <p:ext uri="{BB962C8B-B14F-4D97-AF65-F5344CB8AC3E}">
+        <p14:creationId xmlns:p14="http://schemas.microsoft.com/office/powerpoint/2010/main" val="4129186503"/>
+      </p:ext>
+    </p:extLst>
+  </p:cSld>
+  <p:clrMapOvr>
+    <a:masterClrMapping/>
+  </p:clrMapOvr>
+</p:sld>
+</file>
+
+<file path=ppt/slides/slide7.xml><?xml version="1.0" encoding="utf-8"?>
+<p:sld xmlns:a="http://schemas.openxmlformats.org/drawingml/2006/main" xmlns:r="http://schemas.openxmlformats.org/officeDocument/2006/relationships" xmlns:p="http://schemas.openxmlformats.org/presentationml/2006/main">
+  <p:cSld>
+    <p:spTree>
+      <p:nvGrpSpPr>
+        <p:cNvPr id="1" name=""/>
+        <p:cNvGrpSpPr/>
+        <p:nvPr/>
+      </p:nvGrpSpPr>
+      <p:grpSpPr>
+        <a:xfrm>
+          <a:off x="0" y="0"/>
+          <a:ext cx="0" cy="0"/>
+          <a:chOff x="0" y="0"/>
+          <a:chExt cx="0" cy="0"/>
+        </a:xfrm>
+      </p:grpSpPr>
+      <p:sp>
+        <p:nvSpPr>
+          <p:cNvPr id="2" name="Title 1"/>
+          <p:cNvSpPr>
+            <a:spLocks noGrp="1"/>
+          </p:cNvSpPr>
+          <p:nvPr>
+            <p:ph type="title"/>
+          </p:nvPr>
+        </p:nvSpPr>
+        <p:spPr>
+          <a:xfrm>
+            <a:off x="2286000" y="685800"/>
+            <a:ext cx="4648200" cy="990600"/>
+          </a:xfrm>
+        </p:spPr>
+        <p:txBody>
+          <a:bodyPr>
+            <a:normAutofit/>
+          </a:bodyPr>
+          <a:lstStyle/>
+          <a:p>
+            <a:pPr algn="ctr"/>
+            <a:r>
+              <a:rPr lang="en-US" dirty="0">
+                <a:effectLst/>
+              </a:rPr>
+              <a:t>Getting started</a:t>
+            </a:r>
           </a:p>
         </p:txBody>
       </p:sp>
@@ -6324,8 +6189,8 @@
         </p:nvSpPr>
         <p:spPr>
           <a:xfrm>
-            <a:off x="152400" y="1828800"/>
-            <a:ext cx="3962400" cy="2667000"/>
+            <a:off x="25400" y="1981200"/>
+            <a:ext cx="4419600" cy="2133600"/>
           </a:xfrm>
         </p:spPr>
         <p:txBody>
@@ -6334,38 +6199,59 @@
           <a:p>
             <a:pPr lvl="1" algn="ctr"/>
             <a:r>
-              <a:rPr lang="en-US" dirty="0" smtClean="0"/>
-              <a:t>This Code is so that you can use a card so that we can put the chart on the page.</a:t>
-            </a:r>
+              <a:rPr lang="en-US" dirty="0"/>
+              <a:t>This is the link to the </a:t>
+            </a:r>
+            <a:r>
+              <a:rPr lang="en-US" u="sng" dirty="0">
+                <a:hlinkClick r:id="rId2"/>
+              </a:rPr>
+              <a:t>bootstrap</a:t>
+            </a:r>
+            <a:r>
+              <a:rPr lang="en-US" u="sng" dirty="0"/>
+              <a:t> </a:t>
+            </a:r>
+            <a:endParaRPr lang="en-US" dirty="0"/>
           </a:p>
           <a:p>
             <a:pPr lvl="1" algn="ctr"/>
             <a:r>
-              <a:rPr lang="en-US" dirty="0" smtClean="0"/>
-              <a:t>After you have entered the code refresh your page.</a:t>
-            </a:r>
-            <a:endParaRPr lang="en-US" dirty="0"/>
-          </a:p>
-          <a:p>
-            <a:pPr lvl="1"/>
-            <a:endParaRPr lang="en-US" dirty="0" smtClean="0"/>
+              <a:rPr lang="en-US" dirty="0"/>
+              <a:t>starting template for the demo we will be going through with you. </a:t>
+            </a:r>
           </a:p>
           <a:p>
             <a:pPr lvl="1" algn="ctr"/>
             <a:endParaRPr lang="en-US" dirty="0"/>
           </a:p>
+          <a:p>
+            <a:pPr lvl="1" algn="ctr"/>
+            <a:r>
+              <a:rPr lang="en-US" dirty="0">
+                <a:solidFill>
+                  <a:schemeClr val="tx1"/>
+                </a:solidFill>
+              </a:rPr>
+              <a:t>Be sure to save the type as a Html file</a:t>
+            </a:r>
+          </a:p>
+          <a:p>
+            <a:pPr lvl="1" algn="ctr"/>
+            <a:endParaRPr lang="en-US" dirty="0"/>
+          </a:p>
         </p:txBody>
       </p:sp>
       <p:pic>
         <p:nvPicPr>
-          <p:cNvPr id="2050" name="Picture 2"/>
+          <p:cNvPr id="1026" name="Picture 2"/>
           <p:cNvPicPr>
             <a:picLocks noChangeAspect="1" noChangeArrowheads="1"/>
           </p:cNvPicPr>
           <p:nvPr/>
         </p:nvPicPr>
         <p:blipFill>
-          <a:blip r:embed="rId2">
+          <a:blip r:embed="rId3">
             <a:extLst>
               <a:ext uri="{28A0092B-C50C-407E-A947-70E740481C1C}">
                 <a14:useLocalDpi xmlns:a14="http://schemas.microsoft.com/office/drawing/2010/main" val="0"/>
@@ -6379,8 +6265,8 @@
         </p:blipFill>
         <p:spPr bwMode="auto">
           <a:xfrm>
-            <a:off x="4419600" y="1828800"/>
-            <a:ext cx="4447033" cy="3429000"/>
+            <a:off x="4648200" y="1600200"/>
+            <a:ext cx="4273176" cy="4191000"/>
           </a:xfrm>
           <a:prstGeom prst="rect">
             <a:avLst/>
@@ -6423,7 +6309,7 @@
     </p:spTree>
     <p:extLst>
       <p:ext uri="{BB962C8B-B14F-4D97-AF65-F5344CB8AC3E}">
-        <p14:creationId xmlns:p14="http://schemas.microsoft.com/office/powerpoint/2010/main" val="546886890"/>
+        <p14:creationId xmlns:p14="http://schemas.microsoft.com/office/powerpoint/2010/main" val="844687988"/>
       </p:ext>
     </p:extLst>
   </p:cSld>
@@ -6433,7 +6319,7 @@
 </p:sld>
 </file>
 
-<file path=ppt/slides/slide9.xml><?xml version="1.0" encoding="utf-8"?>
+<file path=ppt/slides/slide8.xml><?xml version="1.0" encoding="utf-8"?>
 <p:sld xmlns:a="http://schemas.openxmlformats.org/drawingml/2006/main" xmlns:r="http://schemas.openxmlformats.org/officeDocument/2006/relationships" xmlns:p="http://schemas.openxmlformats.org/presentationml/2006/main">
   <p:cSld>
     <p:spTree>
@@ -6474,14 +6360,11 @@
           <a:p>
             <a:pPr algn="ctr"/>
             <a:r>
-              <a:rPr lang="en-US" dirty="0" smtClean="0">
+              <a:rPr lang="en-US" dirty="0">
                 <a:effectLst/>
               </a:rPr>
-              <a:t>Demo example 3</a:t>
-            </a:r>
-            <a:endParaRPr lang="en-US" dirty="0">
-              <a:effectLst/>
-            </a:endParaRPr>
+              <a:t>Adding a card</a:t>
+            </a:r>
           </a:p>
         </p:txBody>
       </p:sp>
@@ -6497,8 +6380,8 @@
         </p:nvSpPr>
         <p:spPr>
           <a:xfrm>
-            <a:off x="228600" y="2057400"/>
-            <a:ext cx="3276600" cy="2667000"/>
+            <a:off x="152400" y="1828800"/>
+            <a:ext cx="3962400" cy="2667000"/>
           </a:xfrm>
         </p:spPr>
         <p:txBody>
@@ -6507,16 +6390,20 @@
           <a:p>
             <a:pPr lvl="1" algn="ctr"/>
             <a:r>
-              <a:rPr lang="en-US" dirty="0" smtClean="0"/>
-              <a:t>Chart command script which is essential for drawing a particular chart. </a:t>
+              <a:rPr lang="en-US" dirty="0"/>
+              <a:t>This Code is so that you can use a card so that we can put the chart on the page.</a:t>
             </a:r>
           </a:p>
           <a:p>
             <a:pPr lvl="1" algn="ctr"/>
             <a:r>
-              <a:rPr lang="en-US" dirty="0" smtClean="0"/>
-              <a:t>And this must be underneath the chart.js library </a:t>
-            </a:r>
+              <a:rPr lang="en-US" dirty="0"/>
+              <a:t>After you have entered the code you will need to also add a canvas tag for the graph.</a:t>
+            </a:r>
+          </a:p>
+          <a:p>
+            <a:pPr lvl="1"/>
+            <a:endParaRPr lang="en-US" dirty="0"/>
           </a:p>
           <a:p>
             <a:pPr lvl="1" algn="ctr"/>
@@ -6526,14 +6413,14 @@
       </p:sp>
       <p:pic>
         <p:nvPicPr>
-          <p:cNvPr id="3074" name="Picture 2"/>
+          <p:cNvPr id="2050" name="Picture 2"/>
           <p:cNvPicPr>
             <a:picLocks noChangeAspect="1" noChangeArrowheads="1"/>
           </p:cNvPicPr>
           <p:nvPr/>
         </p:nvPicPr>
         <p:blipFill>
-          <a:blip r:embed="rId2" cstate="print">
+          <a:blip r:embed="rId2">
             <a:extLst>
               <a:ext uri="{28A0092B-C50C-407E-A947-70E740481C1C}">
                 <a14:useLocalDpi xmlns:a14="http://schemas.microsoft.com/office/drawing/2010/main" val="0"/>
@@ -6547,8 +6434,8 @@
         </p:blipFill>
         <p:spPr bwMode="auto">
           <a:xfrm>
-            <a:off x="3901281" y="1524000"/>
-            <a:ext cx="5329238" cy="5020659"/>
+            <a:off x="4419600" y="1828800"/>
+            <a:ext cx="4447033" cy="3429000"/>
           </a:xfrm>
           <a:prstGeom prst="rect">
             <a:avLst/>
@@ -6591,7 +6478,219 @@
     </p:spTree>
     <p:extLst>
       <p:ext uri="{BB962C8B-B14F-4D97-AF65-F5344CB8AC3E}">
-        <p14:creationId xmlns:p14="http://schemas.microsoft.com/office/powerpoint/2010/main" val="3469851452"/>
+        <p14:creationId xmlns:p14="http://schemas.microsoft.com/office/powerpoint/2010/main" val="546886890"/>
+      </p:ext>
+    </p:extLst>
+  </p:cSld>
+  <p:clrMapOvr>
+    <a:masterClrMapping/>
+  </p:clrMapOvr>
+</p:sld>
+</file>
+
+<file path=ppt/slides/slide9.xml><?xml version="1.0" encoding="utf-8"?>
+<p:sld xmlns:a="http://schemas.openxmlformats.org/drawingml/2006/main" xmlns:r="http://schemas.openxmlformats.org/officeDocument/2006/relationships" xmlns:p="http://schemas.openxmlformats.org/presentationml/2006/main">
+  <p:cSld>
+    <p:spTree>
+      <p:nvGrpSpPr>
+        <p:cNvPr id="1" name=""/>
+        <p:cNvGrpSpPr/>
+        <p:nvPr/>
+      </p:nvGrpSpPr>
+      <p:grpSpPr>
+        <a:xfrm>
+          <a:off x="0" y="0"/>
+          <a:ext cx="0" cy="0"/>
+          <a:chOff x="0" y="0"/>
+          <a:chExt cx="0" cy="0"/>
+        </a:xfrm>
+      </p:grpSpPr>
+      <p:sp>
+        <p:nvSpPr>
+          <p:cNvPr id="4" name="Title 1">
+            <a:extLst>
+              <a:ext uri="{FF2B5EF4-FFF2-40B4-BE49-F238E27FC236}">
+                <a16:creationId xmlns:a16="http://schemas.microsoft.com/office/drawing/2014/main" id="{76E8F564-C229-4FA0-A47F-9C08FD2C815A}"/>
+              </a:ext>
+            </a:extLst>
+          </p:cNvPr>
+          <p:cNvSpPr txBox="1">
+            <a:spLocks/>
+          </p:cNvSpPr>
+          <p:nvPr/>
+        </p:nvSpPr>
+        <p:spPr>
+          <a:xfrm>
+            <a:off x="2286000" y="685800"/>
+            <a:ext cx="4648200" cy="990600"/>
+          </a:xfrm>
+          <a:prstGeom prst="rect">
+            <a:avLst/>
+          </a:prstGeom>
+        </p:spPr>
+        <p:txBody>
+          <a:bodyPr vert="horz" lIns="45720" tIns="0" rIns="45720" bIns="0" anchor="t">
+            <a:normAutofit/>
+          </a:bodyPr>
+          <a:lstStyle>
+            <a:lvl1pPr algn="l" rtl="0" eaLnBrk="1" latinLnBrk="0" hangingPunct="1">
+              <a:spcBef>
+                <a:spcPct val="0"/>
+              </a:spcBef>
+              <a:buNone/>
+              <a:defRPr kumimoji="0" sz="4200" b="1" kern="1200" cap="none" baseline="0">
+                <a:ln w="5000" cmpd="sng">
+                  <a:solidFill>
+                    <a:schemeClr val="accent1">
+                      <a:tint val="80000"/>
+                      <a:shade val="99000"/>
+                      <a:satMod val="500000"/>
+                    </a:schemeClr>
+                  </a:solidFill>
+                  <a:prstDash val="solid"/>
+                </a:ln>
+                <a:gradFill>
+                  <a:gsLst>
+                    <a:gs pos="0">
+                      <a:schemeClr val="accent1">
+                        <a:tint val="63000"/>
+                        <a:satMod val="255000"/>
+                      </a:schemeClr>
+                    </a:gs>
+                    <a:gs pos="9000">
+                      <a:schemeClr val="accent1">
+                        <a:tint val="63000"/>
+                        <a:satMod val="255000"/>
+                      </a:schemeClr>
+                    </a:gs>
+                    <a:gs pos="53000">
+                      <a:schemeClr val="accent1">
+                        <a:shade val="60000"/>
+                        <a:satMod val="100000"/>
+                      </a:schemeClr>
+                    </a:gs>
+                    <a:gs pos="90000">
+                      <a:schemeClr val="accent1">
+                        <a:tint val="63000"/>
+                        <a:satMod val="255000"/>
+                      </a:schemeClr>
+                    </a:gs>
+                    <a:gs pos="100000">
+                      <a:schemeClr val="accent1">
+                        <a:tint val="63000"/>
+                        <a:satMod val="255000"/>
+                      </a:schemeClr>
+                    </a:gs>
+                  </a:gsLst>
+                  <a:lin ang="5400000"/>
+                </a:gradFill>
+                <a:effectLst>
+                  <a:outerShdw blurRad="50800" dist="38100" dir="5400000" algn="t" rotWithShape="0">
+                    <a:prstClr val="black">
+                      <a:alpha val="50000"/>
+                    </a:prstClr>
+                  </a:outerShdw>
+                </a:effectLst>
+                <a:latin typeface="+mj-lt"/>
+                <a:ea typeface="+mj-ea"/>
+                <a:cs typeface="+mj-cs"/>
+              </a:defRPr>
+            </a:lvl1pPr>
+          </a:lstStyle>
+          <a:p>
+            <a:pPr algn="ctr"/>
+            <a:r>
+              <a:rPr lang="en-US" dirty="0">
+                <a:effectLst/>
+              </a:rPr>
+              <a:t>Adding a Chart.js</a:t>
+            </a:r>
+          </a:p>
+        </p:txBody>
+      </p:sp>
+      <p:pic>
+        <p:nvPicPr>
+          <p:cNvPr id="5" name="Picture 4">
+            <a:extLst>
+              <a:ext uri="{FF2B5EF4-FFF2-40B4-BE49-F238E27FC236}">
+                <a16:creationId xmlns:a16="http://schemas.microsoft.com/office/drawing/2014/main" id="{3F05E920-93C0-48D1-A8BC-6CAE103FA0E1}"/>
+              </a:ext>
+            </a:extLst>
+          </p:cNvPr>
+          <p:cNvPicPr>
+            <a:picLocks noChangeAspect="1"/>
+          </p:cNvPicPr>
+          <p:nvPr/>
+        </p:nvPicPr>
+        <p:blipFill>
+          <a:blip r:embed="rId2"/>
+          <a:stretch>
+            <a:fillRect/>
+          </a:stretch>
+        </p:blipFill>
+        <p:spPr>
+          <a:xfrm>
+            <a:off x="4610100" y="3048000"/>
+            <a:ext cx="4352925" cy="597460"/>
+          </a:xfrm>
+          <a:prstGeom prst="rect">
+            <a:avLst/>
+          </a:prstGeom>
+        </p:spPr>
+      </p:pic>
+      <p:sp>
+        <p:nvSpPr>
+          <p:cNvPr id="6" name="Text Placeholder 2">
+            <a:extLst>
+              <a:ext uri="{FF2B5EF4-FFF2-40B4-BE49-F238E27FC236}">
+                <a16:creationId xmlns:a16="http://schemas.microsoft.com/office/drawing/2014/main" id="{66E45623-4E36-4F8A-8981-B095B264BC9B}"/>
+              </a:ext>
+            </a:extLst>
+          </p:cNvPr>
+          <p:cNvSpPr>
+            <a:spLocks noGrp="1"/>
+          </p:cNvSpPr>
+          <p:nvPr>
+            <p:ph type="body" idx="1"/>
+          </p:nvPr>
+        </p:nvSpPr>
+        <p:spPr>
+          <a:xfrm>
+            <a:off x="228600" y="2209800"/>
+            <a:ext cx="3962400" cy="2667000"/>
+          </a:xfrm>
+        </p:spPr>
+        <p:txBody>
+          <a:bodyPr/>
+          <a:lstStyle/>
+          <a:p>
+            <a:pPr lvl="1" algn="ctr"/>
+            <a:r>
+              <a:rPr lang="en-US" dirty="0"/>
+              <a:t>You must add the Chart.js source under the last div tag inside of the body of the page. </a:t>
+            </a:r>
+          </a:p>
+          <a:p>
+            <a:pPr lvl="1" algn="ctr"/>
+            <a:r>
+              <a:rPr lang="en-US" dirty="0"/>
+              <a:t>This will add all of the functions of Chart.js much like how bootstrap is added to the page. </a:t>
+            </a:r>
+          </a:p>
+          <a:p>
+            <a:pPr lvl="1"/>
+            <a:endParaRPr lang="en-US" dirty="0"/>
+          </a:p>
+          <a:p>
+            <a:pPr lvl="1" algn="ctr"/>
+            <a:endParaRPr lang="en-US" dirty="0"/>
+          </a:p>
+        </p:txBody>
+      </p:sp>
+    </p:spTree>
+    <p:extLst>
+      <p:ext uri="{BB962C8B-B14F-4D97-AF65-F5344CB8AC3E}">
+        <p14:creationId xmlns:p14="http://schemas.microsoft.com/office/powerpoint/2010/main" val="717957873"/>
       </p:ext>
     </p:extLst>
   </p:cSld>
